--- a/docs/BlackJackStrategist.pptx
+++ b/docs/BlackJackStrategist.pptx
@@ -6,6 +6,9 @@
   </p:sldMasterIdLst>
   <p:sldIdLst>
     <p:sldId id="256" r:id="rId2"/>
+    <p:sldId id="258" r:id="rId3"/>
+    <p:sldId id="261" r:id="rId4"/>
+    <p:sldId id="260" r:id="rId5"/>
   </p:sldIdLst>
   <p:sldSz cx="12192000" cy="6858000"/>
   <p:notesSz cx="6858000" cy="9144000"/>
@@ -104,7 +107,546 @@
       </a:defRPr>
     </a:lvl9pPr>
   </p:defaultTextStyle>
+  <p:extLst>
+    <p:ext uri="{EFAFB233-063F-42B5-8137-9DF3F51BA10A}">
+      <p15:sldGuideLst xmlns:p15="http://schemas.microsoft.com/office/powerpoint/2012/main"/>
+    </p:ext>
+  </p:extLst>
 </p:presentation>
+</file>
+
+<file path=ppt/revisionInfo.xml><?xml version="1.0" encoding="utf-8"?>
+<p1510:revInfo xmlns:a="http://schemas.openxmlformats.org/drawingml/2006/main" xmlns:r="http://schemas.openxmlformats.org/officeDocument/2006/relationships" xmlns:p1510="http://schemas.microsoft.com/office/powerpoint/2015/10/main">
+  <p1510:revLst>
+    <p1510:client id="{90741B6C-B8DA-43AD-BA51-3DA21B230661}" v="511" dt="2025-04-03T04:08:14.655"/>
+    <p1510:client id="{CC749A0A-B23E-43CC-A868-F60F5402DD00}" v="278" dt="2025-04-03T03:29:15.007"/>
+  </p1510:revLst>
+</p1510:revInfo>
+</file>
+
+<file path=ppt/changesInfos/changesInfo1.xml><?xml version="1.0" encoding="utf-8"?>
+<pc:chgInfo xmlns:a="http://schemas.openxmlformats.org/drawingml/2006/main" xmlns:r="http://schemas.openxmlformats.org/officeDocument/2006/relationships" xmlns:ac="http://schemas.microsoft.com/office/drawing/2013/main/command" xmlns:pc="http://schemas.microsoft.com/office/powerpoint/2013/main/command">
+  <pc:docChgLst>
+    <pc:chgData name="Jadyn Wall" userId="202f0e75-ae51-45b7-9e08-2b23669f3ba0" providerId="ADAL" clId="{90741B6C-B8DA-43AD-BA51-3DA21B230661}"/>
+    <pc:docChg chg="undo redo custSel addSld delSld modSld sldOrd">
+      <pc:chgData name="Jadyn Wall" userId="202f0e75-ae51-45b7-9e08-2b23669f3ba0" providerId="ADAL" clId="{90741B6C-B8DA-43AD-BA51-3DA21B230661}" dt="2025-04-03T04:08:14.655" v="1233" actId="1076"/>
+      <pc:docMkLst>
+        <pc:docMk/>
+      </pc:docMkLst>
+      <pc:sldChg chg="addSp delSp modSp mod setBg addAnim">
+        <pc:chgData name="Jadyn Wall" userId="202f0e75-ae51-45b7-9e08-2b23669f3ba0" providerId="ADAL" clId="{90741B6C-B8DA-43AD-BA51-3DA21B230661}" dt="2025-04-03T01:08:08.998" v="169" actId="1076"/>
+        <pc:sldMkLst>
+          <pc:docMk/>
+          <pc:sldMk cId="2948305611" sldId="256"/>
+        </pc:sldMkLst>
+        <pc:spChg chg="mod">
+          <ac:chgData name="Jadyn Wall" userId="202f0e75-ae51-45b7-9e08-2b23669f3ba0" providerId="ADAL" clId="{90741B6C-B8DA-43AD-BA51-3DA21B230661}" dt="2025-04-03T01:07:42.399" v="166" actId="26606"/>
+          <ac:spMkLst>
+            <pc:docMk/>
+            <pc:sldMk cId="2948305611" sldId="256"/>
+            <ac:spMk id="2" creationId="{47C07ADC-23A2-A6A5-6680-9FB4B5DEAF02}"/>
+          </ac:spMkLst>
+        </pc:spChg>
+        <pc:spChg chg="mod">
+          <ac:chgData name="Jadyn Wall" userId="202f0e75-ae51-45b7-9e08-2b23669f3ba0" providerId="ADAL" clId="{90741B6C-B8DA-43AD-BA51-3DA21B230661}" dt="2025-04-03T01:07:37.425" v="165" actId="1076"/>
+          <ac:spMkLst>
+            <pc:docMk/>
+            <pc:sldMk cId="2948305611" sldId="256"/>
+            <ac:spMk id="3" creationId="{3FBB0014-387D-0EA2-C144-AE5E0DB6E2CF}"/>
+          </ac:spMkLst>
+        </pc:spChg>
+        <pc:spChg chg="add del">
+          <ac:chgData name="Jadyn Wall" userId="202f0e75-ae51-45b7-9e08-2b23669f3ba0" providerId="ADAL" clId="{90741B6C-B8DA-43AD-BA51-3DA21B230661}" dt="2025-04-03T01:07:18.447" v="162" actId="26606"/>
+          <ac:spMkLst>
+            <pc:docMk/>
+            <pc:sldMk cId="2948305611" sldId="256"/>
+            <ac:spMk id="9" creationId="{AC8EEB0F-BA72-49AC-956F-331B60FDE79E}"/>
+          </ac:spMkLst>
+        </pc:spChg>
+        <pc:spChg chg="add del">
+          <ac:chgData name="Jadyn Wall" userId="202f0e75-ae51-45b7-9e08-2b23669f3ba0" providerId="ADAL" clId="{90741B6C-B8DA-43AD-BA51-3DA21B230661}" dt="2025-04-03T01:07:18.447" v="162" actId="26606"/>
+          <ac:spMkLst>
+            <pc:docMk/>
+            <pc:sldMk cId="2948305611" sldId="256"/>
+            <ac:spMk id="11" creationId="{1BE70332-ECAF-47BB-8C7B-BD049452F653}"/>
+          </ac:spMkLst>
+        </pc:spChg>
+        <pc:spChg chg="add del">
+          <ac:chgData name="Jadyn Wall" userId="202f0e75-ae51-45b7-9e08-2b23669f3ba0" providerId="ADAL" clId="{90741B6C-B8DA-43AD-BA51-3DA21B230661}" dt="2025-04-03T01:07:18.447" v="162" actId="26606"/>
+          <ac:spMkLst>
+            <pc:docMk/>
+            <pc:sldMk cId="2948305611" sldId="256"/>
+            <ac:spMk id="13" creationId="{716D9361-A35A-4DC8-AAB9-04FD2D6FEE1D}"/>
+          </ac:spMkLst>
+        </pc:spChg>
+        <pc:spChg chg="add del">
+          <ac:chgData name="Jadyn Wall" userId="202f0e75-ae51-45b7-9e08-2b23669f3ba0" providerId="ADAL" clId="{90741B6C-B8DA-43AD-BA51-3DA21B230661}" dt="2025-04-03T01:07:18.447" v="162" actId="26606"/>
+          <ac:spMkLst>
+            <pc:docMk/>
+            <pc:sldMk cId="2948305611" sldId="256"/>
+            <ac:spMk id="15" creationId="{87FC31AD-FBB3-4219-A758-D6F7594A0A81}"/>
+          </ac:spMkLst>
+        </pc:spChg>
+        <pc:spChg chg="add del">
+          <ac:chgData name="Jadyn Wall" userId="202f0e75-ae51-45b7-9e08-2b23669f3ba0" providerId="ADAL" clId="{90741B6C-B8DA-43AD-BA51-3DA21B230661}" dt="2025-04-03T01:07:42.399" v="166" actId="26606"/>
+          <ac:spMkLst>
+            <pc:docMk/>
+            <pc:sldMk cId="2948305611" sldId="256"/>
+            <ac:spMk id="20" creationId="{C1DD1A8A-57D5-4A81-AD04-532B043C5611}"/>
+          </ac:spMkLst>
+        </pc:spChg>
+        <pc:spChg chg="add del">
+          <ac:chgData name="Jadyn Wall" userId="202f0e75-ae51-45b7-9e08-2b23669f3ba0" providerId="ADAL" clId="{90741B6C-B8DA-43AD-BA51-3DA21B230661}" dt="2025-04-03T01:07:42.399" v="166" actId="26606"/>
+          <ac:spMkLst>
+            <pc:docMk/>
+            <pc:sldMk cId="2948305611" sldId="256"/>
+            <ac:spMk id="22" creationId="{007891EC-4501-44ED-A8C8-B11B6DB767AB}"/>
+          </ac:spMkLst>
+        </pc:spChg>
+        <pc:spChg chg="add">
+          <ac:chgData name="Jadyn Wall" userId="202f0e75-ae51-45b7-9e08-2b23669f3ba0" providerId="ADAL" clId="{90741B6C-B8DA-43AD-BA51-3DA21B230661}" dt="2025-04-03T01:07:42.399" v="166" actId="26606"/>
+          <ac:spMkLst>
+            <pc:docMk/>
+            <pc:sldMk cId="2948305611" sldId="256"/>
+            <ac:spMk id="27" creationId="{C1DD1A8A-57D5-4A81-AD04-532B043C5611}"/>
+          </ac:spMkLst>
+        </pc:spChg>
+        <pc:spChg chg="add">
+          <ac:chgData name="Jadyn Wall" userId="202f0e75-ae51-45b7-9e08-2b23669f3ba0" providerId="ADAL" clId="{90741B6C-B8DA-43AD-BA51-3DA21B230661}" dt="2025-04-03T01:07:42.399" v="166" actId="26606"/>
+          <ac:spMkLst>
+            <pc:docMk/>
+            <pc:sldMk cId="2948305611" sldId="256"/>
+            <ac:spMk id="29" creationId="{007891EC-4501-44ED-A8C8-B11B6DB767AB}"/>
+          </ac:spMkLst>
+        </pc:spChg>
+        <pc:picChg chg="add mod ord">
+          <ac:chgData name="Jadyn Wall" userId="202f0e75-ae51-45b7-9e08-2b23669f3ba0" providerId="ADAL" clId="{90741B6C-B8DA-43AD-BA51-3DA21B230661}" dt="2025-04-03T01:08:08.998" v="169" actId="1076"/>
+          <ac:picMkLst>
+            <pc:docMk/>
+            <pc:sldMk cId="2948305611" sldId="256"/>
+            <ac:picMk id="4" creationId="{A9AA181F-2AB5-7966-4524-0545922EE323}"/>
+          </ac:picMkLst>
+        </pc:picChg>
+      </pc:sldChg>
+      <pc:sldChg chg="addSp delSp modSp new del mod setBg">
+        <pc:chgData name="Jadyn Wall" userId="202f0e75-ae51-45b7-9e08-2b23669f3ba0" providerId="ADAL" clId="{90741B6C-B8DA-43AD-BA51-3DA21B230661}" dt="2025-04-03T04:06:55.854" v="1226" actId="2696"/>
+        <pc:sldMkLst>
+          <pc:docMk/>
+          <pc:sldMk cId="2665891309" sldId="257"/>
+        </pc:sldMkLst>
+        <pc:spChg chg="mod">
+          <ac:chgData name="Jadyn Wall" userId="202f0e75-ae51-45b7-9e08-2b23669f3ba0" providerId="ADAL" clId="{90741B6C-B8DA-43AD-BA51-3DA21B230661}" dt="2025-04-03T01:03:36.013" v="82" actId="26606"/>
+          <ac:spMkLst>
+            <pc:docMk/>
+            <pc:sldMk cId="2665891309" sldId="257"/>
+            <ac:spMk id="2" creationId="{FB072152-9BD5-0F78-C484-E813839F1CFA}"/>
+          </ac:spMkLst>
+        </pc:spChg>
+        <pc:spChg chg="del">
+          <ac:chgData name="Jadyn Wall" userId="202f0e75-ae51-45b7-9e08-2b23669f3ba0" providerId="ADAL" clId="{90741B6C-B8DA-43AD-BA51-3DA21B230661}" dt="2025-04-03T01:01:58.357" v="1"/>
+          <ac:spMkLst>
+            <pc:docMk/>
+            <pc:sldMk cId="2665891309" sldId="257"/>
+            <ac:spMk id="3" creationId="{67492F2C-FE6D-61F2-03AE-CF82C96576BB}"/>
+          </ac:spMkLst>
+        </pc:spChg>
+        <pc:spChg chg="add mod">
+          <ac:chgData name="Jadyn Wall" userId="202f0e75-ae51-45b7-9e08-2b23669f3ba0" providerId="ADAL" clId="{90741B6C-B8DA-43AD-BA51-3DA21B230661}" dt="2025-04-03T01:03:36.013" v="82" actId="26606"/>
+          <ac:spMkLst>
+            <pc:docMk/>
+            <pc:sldMk cId="2665891309" sldId="257"/>
+            <ac:spMk id="4" creationId="{81E37AF7-68D2-08D1-F057-C96B6103E316}"/>
+          </ac:spMkLst>
+        </pc:spChg>
+        <pc:spChg chg="add mod">
+          <ac:chgData name="Jadyn Wall" userId="202f0e75-ae51-45b7-9e08-2b23669f3ba0" providerId="ADAL" clId="{90741B6C-B8DA-43AD-BA51-3DA21B230661}" dt="2025-04-03T01:16:38.065" v="712" actId="1076"/>
+          <ac:spMkLst>
+            <pc:docMk/>
+            <pc:sldMk cId="2665891309" sldId="257"/>
+            <ac:spMk id="5" creationId="{A54C8F59-83B8-EC46-BA6F-C77695597266}"/>
+          </ac:spMkLst>
+        </pc:spChg>
+        <pc:spChg chg="add mod">
+          <ac:chgData name="Jadyn Wall" userId="202f0e75-ae51-45b7-9e08-2b23669f3ba0" providerId="ADAL" clId="{90741B6C-B8DA-43AD-BA51-3DA21B230661}" dt="2025-04-03T01:17:12.469" v="726" actId="1076"/>
+          <ac:spMkLst>
+            <pc:docMk/>
+            <pc:sldMk cId="2665891309" sldId="257"/>
+            <ac:spMk id="6" creationId="{7306610F-29CE-B2AC-7826-C36DB158E2CB}"/>
+          </ac:spMkLst>
+        </pc:spChg>
+        <pc:spChg chg="add">
+          <ac:chgData name="Jadyn Wall" userId="202f0e75-ae51-45b7-9e08-2b23669f3ba0" providerId="ADAL" clId="{90741B6C-B8DA-43AD-BA51-3DA21B230661}" dt="2025-04-03T01:03:36.013" v="82" actId="26606"/>
+          <ac:spMkLst>
+            <pc:docMk/>
+            <pc:sldMk cId="2665891309" sldId="257"/>
+            <ac:spMk id="1031" creationId="{0288C6B4-AFC3-407F-A595-EFFD38D4CCAF}"/>
+          </ac:spMkLst>
+        </pc:spChg>
+        <pc:spChg chg="add">
+          <ac:chgData name="Jadyn Wall" userId="202f0e75-ae51-45b7-9e08-2b23669f3ba0" providerId="ADAL" clId="{90741B6C-B8DA-43AD-BA51-3DA21B230661}" dt="2025-04-03T01:03:36.013" v="82" actId="26606"/>
+          <ac:spMkLst>
+            <pc:docMk/>
+            <pc:sldMk cId="2665891309" sldId="257"/>
+            <ac:spMk id="1033" creationId="{CF236821-17FE-429B-8D2C-08E13A64EA40}"/>
+          </ac:spMkLst>
+        </pc:spChg>
+        <pc:spChg chg="add">
+          <ac:chgData name="Jadyn Wall" userId="202f0e75-ae51-45b7-9e08-2b23669f3ba0" providerId="ADAL" clId="{90741B6C-B8DA-43AD-BA51-3DA21B230661}" dt="2025-04-03T01:03:36.013" v="82" actId="26606"/>
+          <ac:spMkLst>
+            <pc:docMk/>
+            <pc:sldMk cId="2665891309" sldId="257"/>
+            <ac:spMk id="1035" creationId="{C0BDBCD2-E081-43AB-9119-C55465E59757}"/>
+          </ac:spMkLst>
+        </pc:spChg>
+        <pc:spChg chg="add">
+          <ac:chgData name="Jadyn Wall" userId="202f0e75-ae51-45b7-9e08-2b23669f3ba0" providerId="ADAL" clId="{90741B6C-B8DA-43AD-BA51-3DA21B230661}" dt="2025-04-03T01:03:36.013" v="82" actId="26606"/>
+          <ac:spMkLst>
+            <pc:docMk/>
+            <pc:sldMk cId="2665891309" sldId="257"/>
+            <ac:spMk id="1037" creationId="{98E79BE4-34FE-485A-98A5-92CE8F7C4743}"/>
+          </ac:spMkLst>
+        </pc:spChg>
+        <pc:spChg chg="add">
+          <ac:chgData name="Jadyn Wall" userId="202f0e75-ae51-45b7-9e08-2b23669f3ba0" providerId="ADAL" clId="{90741B6C-B8DA-43AD-BA51-3DA21B230661}" dt="2025-04-03T01:03:36.013" v="82" actId="26606"/>
+          <ac:spMkLst>
+            <pc:docMk/>
+            <pc:sldMk cId="2665891309" sldId="257"/>
+            <ac:spMk id="1039" creationId="{7A5F0580-5EE9-419F-96EE-B6529EF6E7D0}"/>
+          </ac:spMkLst>
+        </pc:spChg>
+        <pc:picChg chg="add mod ord">
+          <ac:chgData name="Jadyn Wall" userId="202f0e75-ae51-45b7-9e08-2b23669f3ba0" providerId="ADAL" clId="{90741B6C-B8DA-43AD-BA51-3DA21B230661}" dt="2025-04-03T01:03:36.013" v="82" actId="26606"/>
+          <ac:picMkLst>
+            <pc:docMk/>
+            <pc:sldMk cId="2665891309" sldId="257"/>
+            <ac:picMk id="1026" creationId="{8143FC19-76DF-0FA4-F826-876707CDF30D}"/>
+          </ac:picMkLst>
+        </pc:picChg>
+      </pc:sldChg>
+      <pc:sldChg chg="addSp delSp modSp new mod ord setBg">
+        <pc:chgData name="Jadyn Wall" userId="202f0e75-ae51-45b7-9e08-2b23669f3ba0" providerId="ADAL" clId="{90741B6C-B8DA-43AD-BA51-3DA21B230661}" dt="2025-04-03T01:15:20.766" v="684" actId="27636"/>
+        <pc:sldMkLst>
+          <pc:docMk/>
+          <pc:sldMk cId="3708681894" sldId="258"/>
+        </pc:sldMkLst>
+        <pc:spChg chg="mod">
+          <ac:chgData name="Jadyn Wall" userId="202f0e75-ae51-45b7-9e08-2b23669f3ba0" providerId="ADAL" clId="{90741B6C-B8DA-43AD-BA51-3DA21B230661}" dt="2025-04-03T01:09:50.919" v="196" actId="20577"/>
+          <ac:spMkLst>
+            <pc:docMk/>
+            <pc:sldMk cId="3708681894" sldId="258"/>
+            <ac:spMk id="2" creationId="{6890F492-16F0-FD69-0E49-89E68E309650}"/>
+          </ac:spMkLst>
+        </pc:spChg>
+        <pc:spChg chg="mod">
+          <ac:chgData name="Jadyn Wall" userId="202f0e75-ae51-45b7-9e08-2b23669f3ba0" providerId="ADAL" clId="{90741B6C-B8DA-43AD-BA51-3DA21B230661}" dt="2025-04-03T01:15:20.766" v="684" actId="27636"/>
+          <ac:spMkLst>
+            <pc:docMk/>
+            <pc:sldMk cId="3708681894" sldId="258"/>
+            <ac:spMk id="3" creationId="{8DEB8611-121A-FC3E-CB83-801EBEC3862E}"/>
+          </ac:spMkLst>
+        </pc:spChg>
+        <pc:spChg chg="add del">
+          <ac:chgData name="Jadyn Wall" userId="202f0e75-ae51-45b7-9e08-2b23669f3ba0" providerId="ADAL" clId="{90741B6C-B8DA-43AD-BA51-3DA21B230661}" dt="2025-04-03T01:09:22.637" v="174" actId="26606"/>
+          <ac:spMkLst>
+            <pc:docMk/>
+            <pc:sldMk cId="3708681894" sldId="258"/>
+            <ac:spMk id="9" creationId="{F13C74B1-5B17-4795-BED0-7140497B445A}"/>
+          </ac:spMkLst>
+        </pc:spChg>
+        <pc:spChg chg="add del">
+          <ac:chgData name="Jadyn Wall" userId="202f0e75-ae51-45b7-9e08-2b23669f3ba0" providerId="ADAL" clId="{90741B6C-B8DA-43AD-BA51-3DA21B230661}" dt="2025-04-03T01:09:22.637" v="174" actId="26606"/>
+          <ac:spMkLst>
+            <pc:docMk/>
+            <pc:sldMk cId="3708681894" sldId="258"/>
+            <ac:spMk id="11" creationId="{D4974D33-8DC5-464E-8C6D-BE58F0669C17}"/>
+          </ac:spMkLst>
+        </pc:spChg>
+        <pc:spChg chg="add">
+          <ac:chgData name="Jadyn Wall" userId="202f0e75-ae51-45b7-9e08-2b23669f3ba0" providerId="ADAL" clId="{90741B6C-B8DA-43AD-BA51-3DA21B230661}" dt="2025-04-03T01:09:22.642" v="175" actId="26606"/>
+          <ac:spMkLst>
+            <pc:docMk/>
+            <pc:sldMk cId="3708681894" sldId="258"/>
+            <ac:spMk id="13" creationId="{04812C46-200A-4DEB-A05E-3ED6C68C2387}"/>
+          </ac:spMkLst>
+        </pc:spChg>
+        <pc:spChg chg="add">
+          <ac:chgData name="Jadyn Wall" userId="202f0e75-ae51-45b7-9e08-2b23669f3ba0" providerId="ADAL" clId="{90741B6C-B8DA-43AD-BA51-3DA21B230661}" dt="2025-04-03T01:09:22.642" v="175" actId="26606"/>
+          <ac:spMkLst>
+            <pc:docMk/>
+            <pc:sldMk cId="3708681894" sldId="258"/>
+            <ac:spMk id="14" creationId="{D1EA859B-E555-4109-94F3-6700E046E008}"/>
+          </ac:spMkLst>
+        </pc:spChg>
+        <pc:picChg chg="add mod ord">
+          <ac:chgData name="Jadyn Wall" userId="202f0e75-ae51-45b7-9e08-2b23669f3ba0" providerId="ADAL" clId="{90741B6C-B8DA-43AD-BA51-3DA21B230661}" dt="2025-04-03T01:09:22.642" v="175" actId="26606"/>
+          <ac:picMkLst>
+            <pc:docMk/>
+            <pc:sldMk cId="3708681894" sldId="258"/>
+            <ac:picMk id="4" creationId="{31BD3DE0-0089-9EBE-B763-83E991268CF5}"/>
+          </ac:picMkLst>
+        </pc:picChg>
+      </pc:sldChg>
+      <pc:sldChg chg="modSp new del mod">
+        <pc:chgData name="Jadyn Wall" userId="202f0e75-ae51-45b7-9e08-2b23669f3ba0" providerId="ADAL" clId="{90741B6C-B8DA-43AD-BA51-3DA21B230661}" dt="2025-04-03T02:34:35.818" v="774" actId="2696"/>
+        <pc:sldMkLst>
+          <pc:docMk/>
+          <pc:sldMk cId="2139864626" sldId="259"/>
+        </pc:sldMkLst>
+        <pc:spChg chg="mod">
+          <ac:chgData name="Jadyn Wall" userId="202f0e75-ae51-45b7-9e08-2b23669f3ba0" providerId="ADAL" clId="{90741B6C-B8DA-43AD-BA51-3DA21B230661}" dt="2025-04-03T02:34:25.533" v="772" actId="20577"/>
+          <ac:spMkLst>
+            <pc:docMk/>
+            <pc:sldMk cId="2139864626" sldId="259"/>
+            <ac:spMk id="2" creationId="{836CCDC6-EB59-C531-7B58-20EE5A595455}"/>
+          </ac:spMkLst>
+        </pc:spChg>
+      </pc:sldChg>
+      <pc:sldChg chg="addSp delSp modSp new mod">
+        <pc:chgData name="Jadyn Wall" userId="202f0e75-ae51-45b7-9e08-2b23669f3ba0" providerId="ADAL" clId="{90741B6C-B8DA-43AD-BA51-3DA21B230661}" dt="2025-04-03T03:31:04.286" v="1199" actId="1076"/>
+        <pc:sldMkLst>
+          <pc:docMk/>
+          <pc:sldMk cId="720866852" sldId="260"/>
+        </pc:sldMkLst>
+        <pc:spChg chg="add del mod">
+          <ac:chgData name="Jadyn Wall" userId="202f0e75-ae51-45b7-9e08-2b23669f3ba0" providerId="ADAL" clId="{90741B6C-B8DA-43AD-BA51-3DA21B230661}" dt="2025-04-03T03:29:09.177" v="1163" actId="1076"/>
+          <ac:spMkLst>
+            <pc:docMk/>
+            <pc:sldMk cId="720866852" sldId="260"/>
+            <ac:spMk id="2" creationId="{AC8E757D-2CF4-7108-10F5-7BC5A1483E22}"/>
+          </ac:spMkLst>
+        </pc:spChg>
+        <pc:spChg chg="mod">
+          <ac:chgData name="Jadyn Wall" userId="202f0e75-ae51-45b7-9e08-2b23669f3ba0" providerId="ADAL" clId="{90741B6C-B8DA-43AD-BA51-3DA21B230661}" dt="2025-04-03T03:30:08.324" v="1178" actId="27636"/>
+          <ac:spMkLst>
+            <pc:docMk/>
+            <pc:sldMk cId="720866852" sldId="260"/>
+            <ac:spMk id="3" creationId="{9EDACD18-1334-7FF8-F200-5105C4620AD4}"/>
+          </ac:spMkLst>
+        </pc:spChg>
+        <pc:spChg chg="mod">
+          <ac:chgData name="Jadyn Wall" userId="202f0e75-ae51-45b7-9e08-2b23669f3ba0" providerId="ADAL" clId="{90741B6C-B8DA-43AD-BA51-3DA21B230661}" dt="2025-04-03T03:31:04.286" v="1199" actId="1076"/>
+          <ac:spMkLst>
+            <pc:docMk/>
+            <pc:sldMk cId="720866852" sldId="260"/>
+            <ac:spMk id="4" creationId="{C69E8D55-383D-058B-41CF-5EC5FFD94B52}"/>
+          </ac:spMkLst>
+        </pc:spChg>
+        <pc:spChg chg="add del mod">
+          <ac:chgData name="Jadyn Wall" userId="202f0e75-ae51-45b7-9e08-2b23669f3ba0" providerId="ADAL" clId="{90741B6C-B8DA-43AD-BA51-3DA21B230661}" dt="2025-04-03T03:27:45.428" v="1128" actId="21"/>
+          <ac:spMkLst>
+            <pc:docMk/>
+            <pc:sldMk cId="720866852" sldId="260"/>
+            <ac:spMk id="9" creationId="{D04ACBC3-EED3-ED3F-7441-282C02DCE0A6}"/>
+          </ac:spMkLst>
+        </pc:spChg>
+        <pc:spChg chg="add mod">
+          <ac:chgData name="Jadyn Wall" userId="202f0e75-ae51-45b7-9e08-2b23669f3ba0" providerId="ADAL" clId="{90741B6C-B8DA-43AD-BA51-3DA21B230661}" dt="2025-04-03T03:30:47.609" v="1198" actId="1076"/>
+          <ac:spMkLst>
+            <pc:docMk/>
+            <pc:sldMk cId="720866852" sldId="260"/>
+            <ac:spMk id="10" creationId="{418171C0-D56F-AC20-9657-4BE976D7BE19}"/>
+          </ac:spMkLst>
+        </pc:spChg>
+        <pc:picChg chg="add del mod ord">
+          <ac:chgData name="Jadyn Wall" userId="202f0e75-ae51-45b7-9e08-2b23669f3ba0" providerId="ADAL" clId="{90741B6C-B8DA-43AD-BA51-3DA21B230661}" dt="2025-04-03T03:20:16.978" v="1086" actId="478"/>
+          <ac:picMkLst>
+            <pc:docMk/>
+            <pc:sldMk cId="720866852" sldId="260"/>
+            <ac:picMk id="5" creationId="{89F672A7-2731-3303-6E06-2FF4D5315F73}"/>
+          </ac:picMkLst>
+        </pc:picChg>
+        <pc:picChg chg="add del mod">
+          <ac:chgData name="Jadyn Wall" userId="202f0e75-ae51-45b7-9e08-2b23669f3ba0" providerId="ADAL" clId="{90741B6C-B8DA-43AD-BA51-3DA21B230661}" dt="2025-04-03T03:21:02.368" v="1091" actId="478"/>
+          <ac:picMkLst>
+            <pc:docMk/>
+            <pc:sldMk cId="720866852" sldId="260"/>
+            <ac:picMk id="6" creationId="{636EA77E-65C6-48AC-BFBD-E0A764E3EDB3}"/>
+          </ac:picMkLst>
+        </pc:picChg>
+        <pc:picChg chg="add del mod ord">
+          <ac:chgData name="Jadyn Wall" userId="202f0e75-ae51-45b7-9e08-2b23669f3ba0" providerId="ADAL" clId="{90741B6C-B8DA-43AD-BA51-3DA21B230661}" dt="2025-04-03T03:21:18.755" v="1095" actId="478"/>
+          <ac:picMkLst>
+            <pc:docMk/>
+            <pc:sldMk cId="720866852" sldId="260"/>
+            <ac:picMk id="7" creationId="{4C53C225-539A-924E-FEA7-3275EE0DCCDF}"/>
+          </ac:picMkLst>
+        </pc:picChg>
+        <pc:picChg chg="add del mod">
+          <ac:chgData name="Jadyn Wall" userId="202f0e75-ae51-45b7-9e08-2b23669f3ba0" providerId="ADAL" clId="{90741B6C-B8DA-43AD-BA51-3DA21B230661}" dt="2025-04-03T03:25:09.338" v="1102" actId="478"/>
+          <ac:picMkLst>
+            <pc:docMk/>
+            <pc:sldMk cId="720866852" sldId="260"/>
+            <ac:picMk id="2050" creationId="{3CE5688C-2A22-25BA-0562-1DC0E6006641}"/>
+          </ac:picMkLst>
+        </pc:picChg>
+        <pc:picChg chg="add mod">
+          <ac:chgData name="Jadyn Wall" userId="202f0e75-ae51-45b7-9e08-2b23669f3ba0" providerId="ADAL" clId="{90741B6C-B8DA-43AD-BA51-3DA21B230661}" dt="2025-04-03T03:28:05.033" v="1137" actId="1076"/>
+          <ac:picMkLst>
+            <pc:docMk/>
+            <pc:sldMk cId="720866852" sldId="260"/>
+            <ac:picMk id="2052" creationId="{84EA7DAC-1673-5DE4-1649-07ED9EF11717}"/>
+          </ac:picMkLst>
+        </pc:picChg>
+      </pc:sldChg>
+      <pc:sldChg chg="addSp delSp modSp new mod">
+        <pc:chgData name="Jadyn Wall" userId="202f0e75-ae51-45b7-9e08-2b23669f3ba0" providerId="ADAL" clId="{90741B6C-B8DA-43AD-BA51-3DA21B230661}" dt="2025-04-03T04:08:14.655" v="1233" actId="1076"/>
+        <pc:sldMkLst>
+          <pc:docMk/>
+          <pc:sldMk cId="3810064813" sldId="261"/>
+        </pc:sldMkLst>
+        <pc:spChg chg="mod">
+          <ac:chgData name="Jadyn Wall" userId="202f0e75-ae51-45b7-9e08-2b23669f3ba0" providerId="ADAL" clId="{90741B6C-B8DA-43AD-BA51-3DA21B230661}" dt="2025-04-03T04:06:47.234" v="1225" actId="1076"/>
+          <ac:spMkLst>
+            <pc:docMk/>
+            <pc:sldMk cId="3810064813" sldId="261"/>
+            <ac:spMk id="2" creationId="{F8C57E8D-C19E-AF33-7676-EBC9EF39D9E6}"/>
+          </ac:spMkLst>
+        </pc:spChg>
+        <pc:spChg chg="del">
+          <ac:chgData name="Jadyn Wall" userId="202f0e75-ae51-45b7-9e08-2b23669f3ba0" providerId="ADAL" clId="{90741B6C-B8DA-43AD-BA51-3DA21B230661}" dt="2025-04-03T04:05:01.270" v="1201"/>
+          <ac:spMkLst>
+            <pc:docMk/>
+            <pc:sldMk cId="3810064813" sldId="261"/>
+            <ac:spMk id="3" creationId="{EB5F6747-41C0-85BE-0D7B-7A05E9AA8EE9}"/>
+          </ac:spMkLst>
+        </pc:spChg>
+        <pc:spChg chg="mod">
+          <ac:chgData name="Jadyn Wall" userId="202f0e75-ae51-45b7-9e08-2b23669f3ba0" providerId="ADAL" clId="{90741B6C-B8DA-43AD-BA51-3DA21B230661}" dt="2025-04-03T04:06:47.234" v="1225" actId="1076"/>
+          <ac:spMkLst>
+            <pc:docMk/>
+            <pc:sldMk cId="3810064813" sldId="261"/>
+            <ac:spMk id="4" creationId="{14F37DA6-5593-E3F0-3A58-2A891BB0F914}"/>
+          </ac:spMkLst>
+        </pc:spChg>
+        <pc:picChg chg="add mod">
+          <ac:chgData name="Jadyn Wall" userId="202f0e75-ae51-45b7-9e08-2b23669f3ba0" providerId="ADAL" clId="{90741B6C-B8DA-43AD-BA51-3DA21B230661}" dt="2025-04-03T04:05:48.077" v="1211" actId="732"/>
+          <ac:picMkLst>
+            <pc:docMk/>
+            <pc:sldMk cId="3810064813" sldId="261"/>
+            <ac:picMk id="5" creationId="{1986ABB6-19F9-5B63-1941-C95D1AF0AE83}"/>
+          </ac:picMkLst>
+        </pc:picChg>
+        <pc:picChg chg="add mod">
+          <ac:chgData name="Jadyn Wall" userId="202f0e75-ae51-45b7-9e08-2b23669f3ba0" providerId="ADAL" clId="{90741B6C-B8DA-43AD-BA51-3DA21B230661}" dt="2025-04-03T04:08:14.655" v="1233" actId="1076"/>
+          <ac:picMkLst>
+            <pc:docMk/>
+            <pc:sldMk cId="3810064813" sldId="261"/>
+            <ac:picMk id="7" creationId="{BEA93CC6-7165-BC51-299F-0385ABD94E01}"/>
+          </ac:picMkLst>
+        </pc:picChg>
+        <pc:picChg chg="add mod">
+          <ac:chgData name="Jadyn Wall" userId="202f0e75-ae51-45b7-9e08-2b23669f3ba0" providerId="ADAL" clId="{90741B6C-B8DA-43AD-BA51-3DA21B230661}" dt="2025-04-03T04:08:14.655" v="1233" actId="1076"/>
+          <ac:picMkLst>
+            <pc:docMk/>
+            <pc:sldMk cId="3810064813" sldId="261"/>
+            <ac:picMk id="9" creationId="{3A923CC5-9011-7F45-EA64-63AEC480F27D}"/>
+          </ac:picMkLst>
+        </pc:picChg>
+      </pc:sldChg>
+    </pc:docChg>
+  </pc:docChgLst>
+  <pc:docChgLst>
+    <pc:chgData name="Matthew Wilker" userId="0f691852-cc6c-4bfb-b8d9-1e4deb532d69" providerId="ADAL" clId="{CC749A0A-B23E-43CC-A868-F60F5402DD00}"/>
+    <pc:docChg chg="undo custSel modSld">
+      <pc:chgData name="Matthew Wilker" userId="0f691852-cc6c-4bfb-b8d9-1e4deb532d69" providerId="ADAL" clId="{CC749A0A-B23E-43CC-A868-F60F5402DD00}" dt="2025-04-03T03:29:15.007" v="277" actId="20577"/>
+      <pc:docMkLst>
+        <pc:docMk/>
+      </pc:docMkLst>
+      <pc:sldChg chg="modSp">
+        <pc:chgData name="Matthew Wilker" userId="0f691852-cc6c-4bfb-b8d9-1e4deb532d69" providerId="ADAL" clId="{CC749A0A-B23E-43CC-A868-F60F5402DD00}" dt="2025-04-03T03:27:48.359" v="269" actId="20577"/>
+        <pc:sldMkLst>
+          <pc:docMk/>
+          <pc:sldMk cId="2948305611" sldId="256"/>
+        </pc:sldMkLst>
+        <pc:spChg chg="mod">
+          <ac:chgData name="Matthew Wilker" userId="0f691852-cc6c-4bfb-b8d9-1e4deb532d69" providerId="ADAL" clId="{CC749A0A-B23E-43CC-A868-F60F5402DD00}" dt="2025-04-03T03:27:48.359" v="269" actId="20577"/>
+          <ac:spMkLst>
+            <pc:docMk/>
+            <pc:sldMk cId="2948305611" sldId="256"/>
+            <ac:spMk id="3" creationId="{3FBB0014-387D-0EA2-C144-AE5E0DB6E2CF}"/>
+          </ac:spMkLst>
+        </pc:spChg>
+      </pc:sldChg>
+      <pc:sldChg chg="modSp mod">
+        <pc:chgData name="Matthew Wilker" userId="0f691852-cc6c-4bfb-b8d9-1e4deb532d69" providerId="ADAL" clId="{CC749A0A-B23E-43CC-A868-F60F5402DD00}" dt="2025-04-03T03:29:15.007" v="277" actId="20577"/>
+        <pc:sldMkLst>
+          <pc:docMk/>
+          <pc:sldMk cId="2665891309" sldId="257"/>
+        </pc:sldMkLst>
+        <pc:spChg chg="mod">
+          <ac:chgData name="Matthew Wilker" userId="0f691852-cc6c-4bfb-b8d9-1e4deb532d69" providerId="ADAL" clId="{CC749A0A-B23E-43CC-A868-F60F5402DD00}" dt="2025-04-03T03:29:15.007" v="277" actId="20577"/>
+          <ac:spMkLst>
+            <pc:docMk/>
+            <pc:sldMk cId="2665891309" sldId="257"/>
+            <ac:spMk id="2" creationId="{FB072152-9BD5-0F78-C484-E813839F1CFA}"/>
+          </ac:spMkLst>
+        </pc:spChg>
+      </pc:sldChg>
+      <pc:sldChg chg="addSp delSp modSp mod">
+        <pc:chgData name="Matthew Wilker" userId="0f691852-cc6c-4bfb-b8d9-1e4deb532d69" providerId="ADAL" clId="{CC749A0A-B23E-43CC-A868-F60F5402DD00}" dt="2025-04-03T03:10:29.880" v="244" actId="20577"/>
+        <pc:sldMkLst>
+          <pc:docMk/>
+          <pc:sldMk cId="3708681894" sldId="258"/>
+        </pc:sldMkLst>
+        <pc:spChg chg="mod">
+          <ac:chgData name="Matthew Wilker" userId="0f691852-cc6c-4bfb-b8d9-1e4deb532d69" providerId="ADAL" clId="{CC749A0A-B23E-43CC-A868-F60F5402DD00}" dt="2025-04-03T02:56:08.928" v="136" actId="1076"/>
+          <ac:spMkLst>
+            <pc:docMk/>
+            <pc:sldMk cId="3708681894" sldId="258"/>
+            <ac:spMk id="2" creationId="{6890F492-16F0-FD69-0E49-89E68E309650}"/>
+          </ac:spMkLst>
+        </pc:spChg>
+        <pc:spChg chg="mod">
+          <ac:chgData name="Matthew Wilker" userId="0f691852-cc6c-4bfb-b8d9-1e4deb532d69" providerId="ADAL" clId="{CC749A0A-B23E-43CC-A868-F60F5402DD00}" dt="2025-04-03T02:56:11.752" v="137" actId="1076"/>
+          <ac:spMkLst>
+            <pc:docMk/>
+            <pc:sldMk cId="3708681894" sldId="258"/>
+            <ac:spMk id="3" creationId="{8DEB8611-121A-FC3E-CB83-801EBEC3862E}"/>
+          </ac:spMkLst>
+        </pc:spChg>
+        <pc:spChg chg="add mod">
+          <ac:chgData name="Matthew Wilker" userId="0f691852-cc6c-4bfb-b8d9-1e4deb532d69" providerId="ADAL" clId="{CC749A0A-B23E-43CC-A868-F60F5402DD00}" dt="2025-04-03T03:10:29.880" v="244" actId="20577"/>
+          <ac:spMkLst>
+            <pc:docMk/>
+            <pc:sldMk cId="3708681894" sldId="258"/>
+            <ac:spMk id="5" creationId="{9EC12B23-E1E7-0881-64CC-971310CC8425}"/>
+          </ac:spMkLst>
+        </pc:spChg>
+        <pc:picChg chg="add del mod">
+          <ac:chgData name="Matthew Wilker" userId="0f691852-cc6c-4bfb-b8d9-1e4deb532d69" providerId="ADAL" clId="{CC749A0A-B23E-43CC-A868-F60F5402DD00}" dt="2025-04-03T02:56:14.439" v="139" actId="1076"/>
+          <ac:picMkLst>
+            <pc:docMk/>
+            <pc:sldMk cId="3708681894" sldId="258"/>
+            <ac:picMk id="4" creationId="{31BD3DE0-0089-9EBE-B763-83E991268CF5}"/>
+          </ac:picMkLst>
+        </pc:picChg>
+      </pc:sldChg>
+      <pc:sldChg chg="modSp mod">
+        <pc:chgData name="Matthew Wilker" userId="0f691852-cc6c-4bfb-b8d9-1e4deb532d69" providerId="ADAL" clId="{CC749A0A-B23E-43CC-A868-F60F5402DD00}" dt="2025-04-03T03:11:02.633" v="266" actId="20577"/>
+        <pc:sldMkLst>
+          <pc:docMk/>
+          <pc:sldMk cId="720866852" sldId="260"/>
+        </pc:sldMkLst>
+        <pc:spChg chg="mod">
+          <ac:chgData name="Matthew Wilker" userId="0f691852-cc6c-4bfb-b8d9-1e4deb532d69" providerId="ADAL" clId="{CC749A0A-B23E-43CC-A868-F60F5402DD00}" dt="2025-04-03T03:11:00.258" v="265" actId="20577"/>
+          <ac:spMkLst>
+            <pc:docMk/>
+            <pc:sldMk cId="720866852" sldId="260"/>
+            <ac:spMk id="3" creationId="{9EDACD18-1334-7FF8-F200-5105C4620AD4}"/>
+          </ac:spMkLst>
+        </pc:spChg>
+        <pc:spChg chg="mod">
+          <ac:chgData name="Matthew Wilker" userId="0f691852-cc6c-4bfb-b8d9-1e4deb532d69" providerId="ADAL" clId="{CC749A0A-B23E-43CC-A868-F60F5402DD00}" dt="2025-04-03T03:11:02.633" v="266" actId="20577"/>
+          <ac:spMkLst>
+            <pc:docMk/>
+            <pc:sldMk cId="720866852" sldId="260"/>
+            <ac:spMk id="4" creationId="{C69E8D55-383D-058B-41CF-5EC5FFD94B52}"/>
+          </ac:spMkLst>
+        </pc:spChg>
+      </pc:sldChg>
+    </pc:docChg>
+  </pc:docChgLst>
+</pc:chgInfo>
 </file>
 
 <file path=ppt/slideLayouts/slideLayout1.xml><?xml version="1.0" encoding="utf-8"?>
@@ -256,7 +798,7 @@
           <a:p>
             <a:fld id="{C1F43155-819E-4F0B-B59F-C05B8C39B4BE}" type="datetimeFigureOut">
               <a:rPr lang="en-CA" smtClean="0"/>
-              <a:t>2025-04-01</a:t>
+              <a:t>2025-04-02</a:t>
             </a:fld>
             <a:endParaRPr lang="en-CA"/>
           </a:p>
@@ -456,7 +998,7 @@
           <a:p>
             <a:fld id="{C1F43155-819E-4F0B-B59F-C05B8C39B4BE}" type="datetimeFigureOut">
               <a:rPr lang="en-CA" smtClean="0"/>
-              <a:t>2025-04-01</a:t>
+              <a:t>2025-04-02</a:t>
             </a:fld>
             <a:endParaRPr lang="en-CA"/>
           </a:p>
@@ -666,7 +1208,7 @@
           <a:p>
             <a:fld id="{C1F43155-819E-4F0B-B59F-C05B8C39B4BE}" type="datetimeFigureOut">
               <a:rPr lang="en-CA" smtClean="0"/>
-              <a:t>2025-04-01</a:t>
+              <a:t>2025-04-02</a:t>
             </a:fld>
             <a:endParaRPr lang="en-CA"/>
           </a:p>
@@ -866,7 +1408,7 @@
           <a:p>
             <a:fld id="{C1F43155-819E-4F0B-B59F-C05B8C39B4BE}" type="datetimeFigureOut">
               <a:rPr lang="en-CA" smtClean="0"/>
-              <a:t>2025-04-01</a:t>
+              <a:t>2025-04-02</a:t>
             </a:fld>
             <a:endParaRPr lang="en-CA"/>
           </a:p>
@@ -1142,7 +1684,7 @@
           <a:p>
             <a:fld id="{C1F43155-819E-4F0B-B59F-C05B8C39B4BE}" type="datetimeFigureOut">
               <a:rPr lang="en-CA" smtClean="0"/>
-              <a:t>2025-04-01</a:t>
+              <a:t>2025-04-02</a:t>
             </a:fld>
             <a:endParaRPr lang="en-CA"/>
           </a:p>
@@ -1410,7 +1952,7 @@
           <a:p>
             <a:fld id="{C1F43155-819E-4F0B-B59F-C05B8C39B4BE}" type="datetimeFigureOut">
               <a:rPr lang="en-CA" smtClean="0"/>
-              <a:t>2025-04-01</a:t>
+              <a:t>2025-04-02</a:t>
             </a:fld>
             <a:endParaRPr lang="en-CA"/>
           </a:p>
@@ -1825,7 +2367,7 @@
           <a:p>
             <a:fld id="{C1F43155-819E-4F0B-B59F-C05B8C39B4BE}" type="datetimeFigureOut">
               <a:rPr lang="en-CA" smtClean="0"/>
-              <a:t>2025-04-01</a:t>
+              <a:t>2025-04-02</a:t>
             </a:fld>
             <a:endParaRPr lang="en-CA"/>
           </a:p>
@@ -1967,7 +2509,7 @@
           <a:p>
             <a:fld id="{C1F43155-819E-4F0B-B59F-C05B8C39B4BE}" type="datetimeFigureOut">
               <a:rPr lang="en-CA" smtClean="0"/>
-              <a:t>2025-04-01</a:t>
+              <a:t>2025-04-02</a:t>
             </a:fld>
             <a:endParaRPr lang="en-CA"/>
           </a:p>
@@ -2080,7 +2622,7 @@
           <a:p>
             <a:fld id="{C1F43155-819E-4F0B-B59F-C05B8C39B4BE}" type="datetimeFigureOut">
               <a:rPr lang="en-CA" smtClean="0"/>
-              <a:t>2025-04-01</a:t>
+              <a:t>2025-04-02</a:t>
             </a:fld>
             <a:endParaRPr lang="en-CA"/>
           </a:p>
@@ -2393,7 +2935,7 @@
           <a:p>
             <a:fld id="{C1F43155-819E-4F0B-B59F-C05B8C39B4BE}" type="datetimeFigureOut">
               <a:rPr lang="en-CA" smtClean="0"/>
-              <a:t>2025-04-01</a:t>
+              <a:t>2025-04-02</a:t>
             </a:fld>
             <a:endParaRPr lang="en-CA"/>
           </a:p>
@@ -2682,7 +3224,7 @@
           <a:p>
             <a:fld id="{C1F43155-819E-4F0B-B59F-C05B8C39B4BE}" type="datetimeFigureOut">
               <a:rPr lang="en-CA" smtClean="0"/>
-              <a:t>2025-04-01</a:t>
+              <a:t>2025-04-02</a:t>
             </a:fld>
             <a:endParaRPr lang="en-CA"/>
           </a:p>
@@ -2925,7 +3467,7 @@
           <a:p>
             <a:fld id="{C1F43155-819E-4F0B-B59F-C05B8C39B4BE}" type="datetimeFigureOut">
               <a:rPr lang="en-CA" smtClean="0"/>
-              <a:t>2025-04-01</a:t>
+              <a:t>2025-04-02</a:t>
             </a:fld>
             <a:endParaRPr lang="en-CA"/>
           </a:p>
@@ -3328,6 +3870,14 @@
 <file path=ppt/slides/slide1.xml><?xml version="1.0" encoding="utf-8"?>
 <p:sld xmlns:a="http://schemas.openxmlformats.org/drawingml/2006/main" xmlns:r="http://schemas.openxmlformats.org/officeDocument/2006/relationships" xmlns:p="http://schemas.openxmlformats.org/presentationml/2006/main">
   <p:cSld>
+    <p:bg>
+      <p:bgPr>
+        <a:solidFill>
+          <a:schemeClr val="bg1"/>
+        </a:solidFill>
+        <a:effectLst/>
+      </p:bgPr>
+    </p:bg>
     <p:spTree>
       <p:nvGrpSpPr>
         <p:cNvPr id="1" name=""/>
@@ -3342,6 +3892,186 @@
           <a:chExt cx="0" cy="0"/>
         </a:xfrm>
       </p:grpSpPr>
+      <p:sp useBgFill="1">
+        <p:nvSpPr>
+          <p:cNvPr id="27" name="Rectangle 26">
+            <a:extLst>
+              <a:ext uri="{FF2B5EF4-FFF2-40B4-BE49-F238E27FC236}">
+                <a16:creationId xmlns:a16="http://schemas.microsoft.com/office/drawing/2014/main" id="{C1DD1A8A-57D5-4A81-AD04-532B043C5611}"/>
+              </a:ext>
+              <a:ext uri="{C183D7F6-B498-43B3-948B-1728B52AA6E4}">
+                <adec:decorative xmlns:adec="http://schemas.microsoft.com/office/drawing/2017/decorative" val="1"/>
+              </a:ext>
+            </a:extLst>
+          </p:cNvPr>
+          <p:cNvSpPr>
+            <a:spLocks noGrp="1" noRot="1" noChangeAspect="1" noMove="1" noResize="1" noEditPoints="1" noAdjustHandles="1" noChangeArrowheads="1" noChangeShapeType="1" noTextEdit="1"/>
+          </p:cNvSpPr>
+          <p:nvPr>
+            <p:extLst>
+              <p:ext uri="{386F3935-93C4-4BCD-93E2-E3B085C9AB24}">
+                <p16:designElem xmlns:p16="http://schemas.microsoft.com/office/powerpoint/2015/main" val="1"/>
+              </p:ext>
+            </p:extLst>
+          </p:nvPr>
+        </p:nvSpPr>
+        <p:spPr>
+          <a:xfrm>
+            <a:off x="-1" y="0"/>
+            <a:ext cx="12188952" cy="6858000"/>
+          </a:xfrm>
+          <a:prstGeom prst="rect">
+            <a:avLst/>
+          </a:prstGeom>
+          <a:ln>
+            <a:noFill/>
+          </a:ln>
+        </p:spPr>
+        <p:style>
+          <a:lnRef idx="2">
+            <a:schemeClr val="accent1">
+              <a:shade val="50000"/>
+            </a:schemeClr>
+          </a:lnRef>
+          <a:fillRef idx="1">
+            <a:schemeClr val="accent1"/>
+          </a:fillRef>
+          <a:effectRef idx="0">
+            <a:schemeClr val="accent1"/>
+          </a:effectRef>
+          <a:fontRef idx="minor">
+            <a:schemeClr val="lt1"/>
+          </a:fontRef>
+        </p:style>
+        <p:txBody>
+          <a:bodyPr rtlCol="0" anchor="ctr"/>
+          <a:lstStyle/>
+          <a:p>
+            <a:pPr algn="ctr"/>
+            <a:endParaRPr lang="en-US"/>
+          </a:p>
+        </p:txBody>
+      </p:sp>
+      <p:pic>
+        <p:nvPicPr>
+          <p:cNvPr id="4" name="Picture 3">
+            <a:extLst>
+              <a:ext uri="{FF2B5EF4-FFF2-40B4-BE49-F238E27FC236}">
+                <a16:creationId xmlns:a16="http://schemas.microsoft.com/office/drawing/2014/main" id="{A9AA181F-2AB5-7966-4524-0545922EE323}"/>
+              </a:ext>
+            </a:extLst>
+          </p:cNvPr>
+          <p:cNvPicPr>
+            <a:picLocks noChangeAspect="1"/>
+          </p:cNvPicPr>
+          <p:nvPr/>
+        </p:nvPicPr>
+        <p:blipFill>
+          <a:blip r:embed="rId2"/>
+          <a:srcRect t="6774" b="4990"/>
+          <a:stretch/>
+        </p:blipFill>
+        <p:spPr>
+          <a:xfrm>
+            <a:off x="1" y="10"/>
+            <a:ext cx="12191999" cy="6857990"/>
+          </a:xfrm>
+          <a:prstGeom prst="rect">
+            <a:avLst/>
+          </a:prstGeom>
+        </p:spPr>
+      </p:pic>
+      <p:sp>
+        <p:nvSpPr>
+          <p:cNvPr id="29" name="Rectangle 28">
+            <a:extLst>
+              <a:ext uri="{FF2B5EF4-FFF2-40B4-BE49-F238E27FC236}">
+                <a16:creationId xmlns:a16="http://schemas.microsoft.com/office/drawing/2014/main" id="{007891EC-4501-44ED-A8C8-B11B6DB767AB}"/>
+              </a:ext>
+              <a:ext uri="{C183D7F6-B498-43B3-948B-1728B52AA6E4}">
+                <adec:decorative xmlns:adec="http://schemas.microsoft.com/office/drawing/2017/decorative" val="1"/>
+              </a:ext>
+            </a:extLst>
+          </p:cNvPr>
+          <p:cNvSpPr>
+            <a:spLocks noGrp="1" noRot="1" noChangeAspect="1" noMove="1" noResize="1" noEditPoints="1" noAdjustHandles="1" noChangeArrowheads="1" noChangeShapeType="1" noTextEdit="1"/>
+          </p:cNvSpPr>
+          <p:nvPr>
+            <p:extLst>
+              <p:ext uri="{386F3935-93C4-4BCD-93E2-E3B085C9AB24}">
+                <p16:designElem xmlns:p16="http://schemas.microsoft.com/office/powerpoint/2015/main" val="1"/>
+              </p:ext>
+            </p:extLst>
+          </p:nvPr>
+        </p:nvSpPr>
+        <p:spPr>
+          <a:xfrm>
+            <a:off x="0" y="2207602"/>
+            <a:ext cx="12191999" cy="3162146"/>
+          </a:xfrm>
+          <a:prstGeom prst="rect">
+            <a:avLst/>
+          </a:prstGeom>
+          <a:gradFill flip="none" rotWithShape="1">
+            <a:gsLst>
+              <a:gs pos="0">
+                <a:srgbClr val="000000">
+                  <a:alpha val="0"/>
+                </a:srgbClr>
+              </a:gs>
+              <a:gs pos="25000">
+                <a:srgbClr val="000000">
+                  <a:alpha val="15000"/>
+                </a:srgbClr>
+              </a:gs>
+              <a:gs pos="75000">
+                <a:srgbClr val="000000">
+                  <a:alpha val="15000"/>
+                </a:srgbClr>
+              </a:gs>
+              <a:gs pos="50000">
+                <a:srgbClr val="000000">
+                  <a:alpha val="30000"/>
+                </a:srgbClr>
+              </a:gs>
+              <a:gs pos="100000">
+                <a:srgbClr val="000000">
+                  <a:alpha val="0"/>
+                </a:srgbClr>
+              </a:gs>
+            </a:gsLst>
+            <a:lin ang="16200000" scaled="1"/>
+            <a:tileRect/>
+          </a:gradFill>
+          <a:ln>
+            <a:noFill/>
+          </a:ln>
+        </p:spPr>
+        <p:style>
+          <a:lnRef idx="2">
+            <a:schemeClr val="accent1">
+              <a:shade val="50000"/>
+            </a:schemeClr>
+          </a:lnRef>
+          <a:fillRef idx="1">
+            <a:schemeClr val="accent1"/>
+          </a:fillRef>
+          <a:effectRef idx="0">
+            <a:schemeClr val="accent1"/>
+          </a:effectRef>
+          <a:fontRef idx="minor">
+            <a:schemeClr val="lt1"/>
+          </a:fontRef>
+        </p:style>
+        <p:txBody>
+          <a:bodyPr rtlCol="0" anchor="ctr"/>
+          <a:lstStyle/>
+          <a:p>
+            <a:pPr algn="ctr"/>
+            <a:endParaRPr lang="en-US"/>
+          </a:p>
+        </p:txBody>
+      </p:sp>
       <p:sp>
         <p:nvSpPr>
           <p:cNvPr id="2" name="Title 1">
@@ -3358,12 +4088,38 @@
             <p:ph type="ctrTitle"/>
           </p:nvPr>
         </p:nvSpPr>
-        <p:spPr/>
-        <p:txBody>
-          <a:bodyPr/>
-          <a:lstStyle/>
-          <a:p>
-            <a:endParaRPr lang="en-CA" dirty="0"/>
+        <p:spPr>
+          <a:xfrm>
+            <a:off x="1097280" y="325550"/>
+            <a:ext cx="10058400" cy="3574778"/>
+          </a:xfrm>
+          <a:effectLst>
+            <a:outerShdw blurRad="50800" dist="38100" dir="2700000" algn="tl" rotWithShape="0">
+              <a:prstClr val="black">
+                <a:alpha val="40000"/>
+              </a:prstClr>
+            </a:outerShdw>
+          </a:effectLst>
+        </p:spPr>
+        <p:txBody>
+          <a:bodyPr>
+            <a:normAutofit/>
+          </a:bodyPr>
+          <a:lstStyle/>
+          <a:p>
+            <a:r>
+              <a:rPr lang="en-US" sz="5200">
+                <a:solidFill>
+                  <a:srgbClr val="FFFFFF"/>
+                </a:solidFill>
+              </a:rPr>
+              <a:t>Blackjack Strategist</a:t>
+            </a:r>
+            <a:endParaRPr lang="en-CA" sz="5200">
+              <a:solidFill>
+                <a:srgbClr val="FFFFFF"/>
+              </a:solidFill>
+            </a:endParaRPr>
           </a:p>
         </p:txBody>
       </p:sp>
@@ -3383,12 +4139,38 @@
             <p:ph type="subTitle" idx="1"/>
           </p:nvPr>
         </p:nvSpPr>
-        <p:spPr/>
-        <p:txBody>
-          <a:bodyPr/>
-          <a:lstStyle/>
-          <a:p>
-            <a:endParaRPr lang="en-CA"/>
+        <p:spPr>
+          <a:xfrm>
+            <a:off x="1100051" y="5896030"/>
+            <a:ext cx="10058400" cy="1282707"/>
+          </a:xfrm>
+          <a:effectLst>
+            <a:outerShdw blurRad="50800" dist="38100" dir="2700000" algn="tl" rotWithShape="0">
+              <a:prstClr val="black">
+                <a:alpha val="40000"/>
+              </a:prstClr>
+            </a:outerShdw>
+          </a:effectLst>
+        </p:spPr>
+        <p:txBody>
+          <a:bodyPr>
+            <a:normAutofit/>
+          </a:bodyPr>
+          <a:lstStyle/>
+          <a:p>
+            <a:r>
+              <a:rPr lang="en-US">
+                <a:solidFill>
+                  <a:srgbClr val="FFFFFF"/>
+                </a:solidFill>
+              </a:rPr>
+              <a:t>Ben Sun, Jadyn Wall, Matt Wilker</a:t>
+            </a:r>
+            <a:endParaRPr lang="en-CA">
+              <a:solidFill>
+                <a:srgbClr val="FFFFFF"/>
+              </a:solidFill>
+            </a:endParaRPr>
           </a:p>
         </p:txBody>
       </p:sp>
@@ -3396,6 +4178,1379 @@
     <p:extLst>
       <p:ext uri="{BB962C8B-B14F-4D97-AF65-F5344CB8AC3E}">
         <p14:creationId xmlns:p14="http://schemas.microsoft.com/office/powerpoint/2010/main" val="2948305611"/>
+      </p:ext>
+    </p:extLst>
+  </p:cSld>
+  <p:clrMapOvr>
+    <a:masterClrMapping/>
+  </p:clrMapOvr>
+  <p:timing>
+    <p:tnLst>
+      <p:par>
+        <p:cTn id="1" dur="indefinite" restart="never" nodeType="tmRoot">
+          <p:childTnLst>
+            <p:seq concurrent="1" nextAc="seek">
+              <p:cTn id="2" dur="indefinite" nodeType="mainSeq">
+                <p:childTnLst>
+                  <p:par>
+                    <p:cTn id="3" fill="hold">
+                      <p:stCondLst>
+                        <p:cond delay="indefinite"/>
+                        <p:cond evt="onBegin" delay="0">
+                          <p:tn val="2"/>
+                        </p:cond>
+                      </p:stCondLst>
+                      <p:childTnLst>
+                        <p:par>
+                          <p:cTn id="4" fill="hold">
+                            <p:stCondLst>
+                              <p:cond delay="0"/>
+                            </p:stCondLst>
+                            <p:childTnLst>
+                              <p:par>
+                                <p:cTn id="5" presetID="10" presetClass="entr" presetSubtype="0" fill="hold" grpId="0" nodeType="withEffect">
+                                  <p:stCondLst>
+                                    <p:cond delay="1000"/>
+                                  </p:stCondLst>
+                                  <p:iterate type="lt">
+                                    <p:tmPct val="10000"/>
+                                  </p:iterate>
+                                  <p:childTnLst>
+                                    <p:set>
+                                      <p:cBhvr>
+                                        <p:cTn id="6" dur="1" fill="hold">
+                                          <p:stCondLst>
+                                            <p:cond delay="0"/>
+                                          </p:stCondLst>
+                                        </p:cTn>
+                                        <p:tgtEl>
+                                          <p:spTgt spid="2"/>
+                                        </p:tgtEl>
+                                        <p:attrNameLst>
+                                          <p:attrName>style.visibility</p:attrName>
+                                        </p:attrNameLst>
+                                      </p:cBhvr>
+                                      <p:to>
+                                        <p:strVal val="visible"/>
+                                      </p:to>
+                                    </p:set>
+                                    <p:animEffect transition="in" filter="fade">
+                                      <p:cBhvr>
+                                        <p:cTn id="7" dur="400"/>
+                                        <p:tgtEl>
+                                          <p:spTgt spid="2"/>
+                                        </p:tgtEl>
+                                      </p:cBhvr>
+                                    </p:animEffect>
+                                  </p:childTnLst>
+                                </p:cTn>
+                              </p:par>
+                              <p:par>
+                                <p:cTn id="8" presetID="10" presetClass="entr" presetSubtype="0" fill="hold" grpId="0" nodeType="withEffect">
+                                  <p:stCondLst>
+                                    <p:cond delay="2000"/>
+                                  </p:stCondLst>
+                                  <p:iterate type="lt">
+                                    <p:tmPct val="10000"/>
+                                  </p:iterate>
+                                  <p:childTnLst>
+                                    <p:set>
+                                      <p:cBhvr>
+                                        <p:cTn id="9" dur="1" fill="hold">
+                                          <p:stCondLst>
+                                            <p:cond delay="0"/>
+                                          </p:stCondLst>
+                                        </p:cTn>
+                                        <p:tgtEl>
+                                          <p:spTgt spid="3">
+                                            <p:txEl>
+                                              <p:pRg st="0" end="0"/>
+                                            </p:txEl>
+                                          </p:spTgt>
+                                        </p:tgtEl>
+                                        <p:attrNameLst>
+                                          <p:attrName>style.visibility</p:attrName>
+                                        </p:attrNameLst>
+                                      </p:cBhvr>
+                                      <p:to>
+                                        <p:strVal val="visible"/>
+                                      </p:to>
+                                    </p:set>
+                                    <p:animEffect transition="in" filter="fade">
+                                      <p:cBhvr>
+                                        <p:cTn id="10" dur="400"/>
+                                        <p:tgtEl>
+                                          <p:spTgt spid="3">
+                                            <p:txEl>
+                                              <p:pRg st="0" end="0"/>
+                                            </p:txEl>
+                                          </p:spTgt>
+                                        </p:tgtEl>
+                                      </p:cBhvr>
+                                    </p:animEffect>
+                                  </p:childTnLst>
+                                </p:cTn>
+                              </p:par>
+                            </p:childTnLst>
+                          </p:cTn>
+                        </p:par>
+                      </p:childTnLst>
+                    </p:cTn>
+                  </p:par>
+                </p:childTnLst>
+              </p:cTn>
+              <p:prevCondLst>
+                <p:cond evt="onPrev" delay="0">
+                  <p:tgtEl>
+                    <p:sldTgt/>
+                  </p:tgtEl>
+                </p:cond>
+              </p:prevCondLst>
+              <p:nextCondLst>
+                <p:cond evt="onNext" delay="0">
+                  <p:tgtEl>
+                    <p:sldTgt/>
+                  </p:tgtEl>
+                </p:cond>
+              </p:nextCondLst>
+            </p:seq>
+          </p:childTnLst>
+        </p:cTn>
+      </p:par>
+    </p:tnLst>
+    <p:bldLst>
+      <p:bldP spid="2" grpId="0"/>
+      <p:bldP spid="3" grpId="0" build="p"/>
+    </p:bldLst>
+  </p:timing>
+</p:sld>
+</file>
+
+<file path=ppt/slides/slide2.xml><?xml version="1.0" encoding="utf-8"?>
+<p:sld xmlns:a="http://schemas.openxmlformats.org/drawingml/2006/main" xmlns:r="http://schemas.openxmlformats.org/officeDocument/2006/relationships" xmlns:p="http://schemas.openxmlformats.org/presentationml/2006/main">
+  <p:cSld>
+    <p:bg>
+      <p:bgPr>
+        <a:solidFill>
+          <a:schemeClr val="bg1"/>
+        </a:solidFill>
+        <a:effectLst/>
+      </p:bgPr>
+    </p:bg>
+    <p:spTree>
+      <p:nvGrpSpPr>
+        <p:cNvPr id="1" name=""/>
+        <p:cNvGrpSpPr/>
+        <p:nvPr/>
+      </p:nvGrpSpPr>
+      <p:grpSpPr>
+        <a:xfrm>
+          <a:off x="0" y="0"/>
+          <a:ext cx="0" cy="0"/>
+          <a:chOff x="0" y="0"/>
+          <a:chExt cx="0" cy="0"/>
+        </a:xfrm>
+      </p:grpSpPr>
+      <p:sp useBgFill="1">
+        <p:nvSpPr>
+          <p:cNvPr id="13" name="Rectangle 12">
+            <a:extLst>
+              <a:ext uri="{FF2B5EF4-FFF2-40B4-BE49-F238E27FC236}">
+                <a16:creationId xmlns:a16="http://schemas.microsoft.com/office/drawing/2014/main" id="{04812C46-200A-4DEB-A05E-3ED6C68C2387}"/>
+              </a:ext>
+              <a:ext uri="{C183D7F6-B498-43B3-948B-1728B52AA6E4}">
+                <adec:decorative xmlns:adec="http://schemas.microsoft.com/office/drawing/2017/decorative" val="1"/>
+              </a:ext>
+            </a:extLst>
+          </p:cNvPr>
+          <p:cNvSpPr>
+            <a:spLocks noGrp="1" noRot="1" noChangeAspect="1" noMove="1" noResize="1" noEditPoints="1" noAdjustHandles="1" noChangeArrowheads="1" noChangeShapeType="1" noTextEdit="1"/>
+          </p:cNvSpPr>
+          <p:nvPr>
+            <p:extLst>
+              <p:ext uri="{386F3935-93C4-4BCD-93E2-E3B085C9AB24}">
+                <p16:designElem xmlns:p16="http://schemas.microsoft.com/office/powerpoint/2015/main" val="1"/>
+              </p:ext>
+            </p:extLst>
+          </p:nvPr>
+        </p:nvSpPr>
+        <p:spPr>
+          <a:xfrm>
+            <a:off x="-1" y="0"/>
+            <a:ext cx="12188952" cy="6858000"/>
+          </a:xfrm>
+          <a:prstGeom prst="rect">
+            <a:avLst/>
+          </a:prstGeom>
+          <a:ln>
+            <a:noFill/>
+          </a:ln>
+        </p:spPr>
+        <p:style>
+          <a:lnRef idx="2">
+            <a:schemeClr val="accent1">
+              <a:shade val="50000"/>
+            </a:schemeClr>
+          </a:lnRef>
+          <a:fillRef idx="1">
+            <a:schemeClr val="accent1"/>
+          </a:fillRef>
+          <a:effectRef idx="0">
+            <a:schemeClr val="accent1"/>
+          </a:effectRef>
+          <a:fontRef idx="minor">
+            <a:schemeClr val="lt1"/>
+          </a:fontRef>
+        </p:style>
+        <p:txBody>
+          <a:bodyPr rtlCol="0" anchor="ctr"/>
+          <a:lstStyle/>
+          <a:p>
+            <a:pPr algn="ctr"/>
+            <a:endParaRPr lang="en-US"/>
+          </a:p>
+        </p:txBody>
+      </p:sp>
+      <p:pic>
+        <p:nvPicPr>
+          <p:cNvPr id="4" name="Picture 3">
+            <a:extLst>
+              <a:ext uri="{FF2B5EF4-FFF2-40B4-BE49-F238E27FC236}">
+                <a16:creationId xmlns:a16="http://schemas.microsoft.com/office/drawing/2014/main" id="{31BD3DE0-0089-9EBE-B763-83E991268CF5}"/>
+              </a:ext>
+            </a:extLst>
+          </p:cNvPr>
+          <p:cNvPicPr>
+            <a:picLocks noChangeAspect="1"/>
+          </p:cNvPicPr>
+          <p:nvPr/>
+        </p:nvPicPr>
+        <p:blipFill>
+          <a:blip r:embed="rId2"/>
+          <a:srcRect l="2450" r="18239"/>
+          <a:stretch/>
+        </p:blipFill>
+        <p:spPr>
+          <a:xfrm>
+            <a:off x="1" y="10"/>
+            <a:ext cx="9669642" cy="6857990"/>
+          </a:xfrm>
+          <a:prstGeom prst="rect">
+            <a:avLst/>
+          </a:prstGeom>
+        </p:spPr>
+      </p:pic>
+      <p:sp>
+        <p:nvSpPr>
+          <p:cNvPr id="14" name="Rectangle 13">
+            <a:extLst>
+              <a:ext uri="{FF2B5EF4-FFF2-40B4-BE49-F238E27FC236}">
+                <a16:creationId xmlns:a16="http://schemas.microsoft.com/office/drawing/2014/main" id="{D1EA859B-E555-4109-94F3-6700E046E008}"/>
+              </a:ext>
+              <a:ext uri="{C183D7F6-B498-43B3-948B-1728B52AA6E4}">
+                <adec:decorative xmlns:adec="http://schemas.microsoft.com/office/drawing/2017/decorative" val="1"/>
+              </a:ext>
+            </a:extLst>
+          </p:cNvPr>
+          <p:cNvSpPr>
+            <a:spLocks noGrp="1" noRot="1" noChangeAspect="1" noMove="1" noResize="1" noEditPoints="1" noAdjustHandles="1" noChangeArrowheads="1" noChangeShapeType="1" noTextEdit="1"/>
+          </p:cNvSpPr>
+          <p:nvPr>
+            <p:extLst>
+              <p:ext uri="{386F3935-93C4-4BCD-93E2-E3B085C9AB24}">
+                <p16:designElem xmlns:p16="http://schemas.microsoft.com/office/powerpoint/2015/main" val="1"/>
+              </p:ext>
+            </p:extLst>
+          </p:nvPr>
+        </p:nvSpPr>
+        <p:spPr>
+          <a:xfrm flipH="1">
+            <a:off x="5125019" y="0"/>
+            <a:ext cx="7066978" cy="6858000"/>
+          </a:xfrm>
+          <a:prstGeom prst="rect">
+            <a:avLst/>
+          </a:prstGeom>
+          <a:gradFill>
+            <a:gsLst>
+              <a:gs pos="48000">
+                <a:schemeClr val="bg1"/>
+              </a:gs>
+              <a:gs pos="35000">
+                <a:schemeClr val="bg1">
+                  <a:alpha val="77000"/>
+                </a:schemeClr>
+              </a:gs>
+              <a:gs pos="19000">
+                <a:schemeClr val="bg1">
+                  <a:alpha val="38000"/>
+                </a:schemeClr>
+              </a:gs>
+              <a:gs pos="0">
+                <a:schemeClr val="bg1">
+                  <a:alpha val="0"/>
+                </a:schemeClr>
+              </a:gs>
+              <a:gs pos="100000">
+                <a:schemeClr val="bg1"/>
+              </a:gs>
+            </a:gsLst>
+            <a:lin ang="10800000" scaled="0"/>
+          </a:gradFill>
+          <a:ln>
+            <a:noFill/>
+          </a:ln>
+        </p:spPr>
+        <p:style>
+          <a:lnRef idx="2">
+            <a:schemeClr val="accent1">
+              <a:shade val="50000"/>
+            </a:schemeClr>
+          </a:lnRef>
+          <a:fillRef idx="1">
+            <a:schemeClr val="accent1"/>
+          </a:fillRef>
+          <a:effectRef idx="0">
+            <a:schemeClr val="accent1"/>
+          </a:effectRef>
+          <a:fontRef idx="minor">
+            <a:schemeClr val="lt1"/>
+          </a:fontRef>
+        </p:style>
+        <p:txBody>
+          <a:bodyPr rtlCol="0" anchor="ctr"/>
+          <a:lstStyle/>
+          <a:p>
+            <a:pPr algn="ctr"/>
+            <a:endParaRPr lang="en-US"/>
+          </a:p>
+        </p:txBody>
+      </p:sp>
+      <p:sp>
+        <p:nvSpPr>
+          <p:cNvPr id="2" name="Title 1">
+            <a:extLst>
+              <a:ext uri="{FF2B5EF4-FFF2-40B4-BE49-F238E27FC236}">
+                <a16:creationId xmlns:a16="http://schemas.microsoft.com/office/drawing/2014/main" id="{6890F492-16F0-FD69-0E49-89E68E309650}"/>
+              </a:ext>
+            </a:extLst>
+          </p:cNvPr>
+          <p:cNvSpPr>
+            <a:spLocks noGrp="1"/>
+          </p:cNvSpPr>
+          <p:nvPr>
+            <p:ph type="title"/>
+          </p:nvPr>
+        </p:nvSpPr>
+        <p:spPr>
+          <a:xfrm>
+            <a:off x="8190371" y="-136321"/>
+            <a:ext cx="3822189" cy="1899912"/>
+          </a:xfrm>
+        </p:spPr>
+        <p:txBody>
+          <a:bodyPr>
+            <a:normAutofit/>
+          </a:bodyPr>
+          <a:lstStyle/>
+          <a:p>
+            <a:r>
+              <a:rPr lang="en-US" sz="4000"/>
+              <a:t>Blackjack Rules</a:t>
+            </a:r>
+            <a:endParaRPr lang="en-CA" sz="4000"/>
+          </a:p>
+        </p:txBody>
+      </p:sp>
+      <p:sp>
+        <p:nvSpPr>
+          <p:cNvPr id="3" name="Content Placeholder 2">
+            <a:extLst>
+              <a:ext uri="{FF2B5EF4-FFF2-40B4-BE49-F238E27FC236}">
+                <a16:creationId xmlns:a16="http://schemas.microsoft.com/office/drawing/2014/main" id="{8DEB8611-121A-FC3E-CB83-801EBEC3862E}"/>
+              </a:ext>
+            </a:extLst>
+          </p:cNvPr>
+          <p:cNvSpPr>
+            <a:spLocks noGrp="1"/>
+          </p:cNvSpPr>
+          <p:nvPr>
+            <p:ph idx="1"/>
+          </p:nvPr>
+        </p:nvSpPr>
+        <p:spPr>
+          <a:xfrm>
+            <a:off x="8217525" y="1342223"/>
+            <a:ext cx="3767879" cy="4173554"/>
+          </a:xfrm>
+        </p:spPr>
+        <p:txBody>
+          <a:bodyPr>
+            <a:normAutofit/>
+          </a:bodyPr>
+          <a:lstStyle/>
+          <a:p>
+            <a:r>
+              <a:rPr lang="en-US" sz="2000"/>
+              <a:t>Beat the dealer by getting a higher hand value without going over 21</a:t>
+            </a:r>
+          </a:p>
+          <a:p>
+            <a:r>
+              <a:rPr lang="en-US" sz="2000"/>
+              <a:t>Number on the card is its value</a:t>
+            </a:r>
+          </a:p>
+          <a:p>
+            <a:r>
+              <a:rPr lang="en-US" sz="2000"/>
+              <a:t>Face cards (J, Q, K) have a value of 10</a:t>
+            </a:r>
+          </a:p>
+          <a:p>
+            <a:r>
+              <a:rPr lang="en-US" sz="2000"/>
+              <a:t>Aces can count as 1 or 11</a:t>
+            </a:r>
+          </a:p>
+          <a:p>
+            <a:r>
+              <a:rPr lang="en-US" sz="2000"/>
+              <a:t>Player goes first</a:t>
+            </a:r>
+          </a:p>
+          <a:p>
+            <a:r>
+              <a:rPr lang="en-US" sz="2000"/>
+              <a:t>Dealer flip cards until they reach or exceed 17</a:t>
+            </a:r>
+          </a:p>
+        </p:txBody>
+      </p:sp>
+      <p:sp>
+        <p:nvSpPr>
+          <p:cNvPr id="5" name="Content Placeholder 2">
+            <a:extLst>
+              <a:ext uri="{FF2B5EF4-FFF2-40B4-BE49-F238E27FC236}">
+                <a16:creationId xmlns:a16="http://schemas.microsoft.com/office/drawing/2014/main" id="{9EC12B23-E1E7-0881-64CC-971310CC8425}"/>
+              </a:ext>
+            </a:extLst>
+          </p:cNvPr>
+          <p:cNvSpPr txBox="1">
+            <a:spLocks/>
+          </p:cNvSpPr>
+          <p:nvPr/>
+        </p:nvSpPr>
+        <p:spPr>
+          <a:xfrm>
+            <a:off x="8190369" y="5461683"/>
+            <a:ext cx="3767879" cy="1273191"/>
+          </a:xfrm>
+          <a:prstGeom prst="rect">
+            <a:avLst/>
+          </a:prstGeom>
+        </p:spPr>
+        <p:txBody>
+          <a:bodyPr vert="horz" lIns="91440" tIns="45720" rIns="91440" bIns="45720" rtlCol="0">
+            <a:normAutofit/>
+          </a:bodyPr>
+          <a:lstStyle>
+            <a:lvl1pPr marL="228600" indent="-228600" algn="l" defTabSz="914400" rtl="0" eaLnBrk="1" latinLnBrk="0" hangingPunct="1">
+              <a:lnSpc>
+                <a:spcPct val="90000"/>
+              </a:lnSpc>
+              <a:spcBef>
+                <a:spcPts val="1000"/>
+              </a:spcBef>
+              <a:buFont typeface="Arial" panose="020B0604020202020204" pitchFamily="34" charset="0"/>
+              <a:buChar char="•"/>
+              <a:defRPr sz="2800" kern="1200">
+                <a:solidFill>
+                  <a:schemeClr val="tx1"/>
+                </a:solidFill>
+                <a:latin typeface="+mn-lt"/>
+                <a:ea typeface="+mn-ea"/>
+                <a:cs typeface="+mn-cs"/>
+              </a:defRPr>
+            </a:lvl1pPr>
+            <a:lvl2pPr marL="685800" indent="-228600" algn="l" defTabSz="914400" rtl="0" eaLnBrk="1" latinLnBrk="0" hangingPunct="1">
+              <a:lnSpc>
+                <a:spcPct val="90000"/>
+              </a:lnSpc>
+              <a:spcBef>
+                <a:spcPts val="500"/>
+              </a:spcBef>
+              <a:buFont typeface="Arial" panose="020B0604020202020204" pitchFamily="34" charset="0"/>
+              <a:buChar char="•"/>
+              <a:defRPr sz="2400" kern="1200">
+                <a:solidFill>
+                  <a:schemeClr val="tx1"/>
+                </a:solidFill>
+                <a:latin typeface="+mn-lt"/>
+                <a:ea typeface="+mn-ea"/>
+                <a:cs typeface="+mn-cs"/>
+              </a:defRPr>
+            </a:lvl2pPr>
+            <a:lvl3pPr marL="1143000" indent="-228600" algn="l" defTabSz="914400" rtl="0" eaLnBrk="1" latinLnBrk="0" hangingPunct="1">
+              <a:lnSpc>
+                <a:spcPct val="90000"/>
+              </a:lnSpc>
+              <a:spcBef>
+                <a:spcPts val="500"/>
+              </a:spcBef>
+              <a:buFont typeface="Arial" panose="020B0604020202020204" pitchFamily="34" charset="0"/>
+              <a:buChar char="•"/>
+              <a:defRPr sz="2000" kern="1200">
+                <a:solidFill>
+                  <a:schemeClr val="tx1"/>
+                </a:solidFill>
+                <a:latin typeface="+mn-lt"/>
+                <a:ea typeface="+mn-ea"/>
+                <a:cs typeface="+mn-cs"/>
+              </a:defRPr>
+            </a:lvl3pPr>
+            <a:lvl4pPr marL="1600200" indent="-228600" algn="l" defTabSz="914400" rtl="0" eaLnBrk="1" latinLnBrk="0" hangingPunct="1">
+              <a:lnSpc>
+                <a:spcPct val="90000"/>
+              </a:lnSpc>
+              <a:spcBef>
+                <a:spcPts val="500"/>
+              </a:spcBef>
+              <a:buFont typeface="Arial" panose="020B0604020202020204" pitchFamily="34" charset="0"/>
+              <a:buChar char="•"/>
+              <a:defRPr sz="1800" kern="1200">
+                <a:solidFill>
+                  <a:schemeClr val="tx1"/>
+                </a:solidFill>
+                <a:latin typeface="+mn-lt"/>
+                <a:ea typeface="+mn-ea"/>
+                <a:cs typeface="+mn-cs"/>
+              </a:defRPr>
+            </a:lvl4pPr>
+            <a:lvl5pPr marL="2057400" indent="-228600" algn="l" defTabSz="914400" rtl="0" eaLnBrk="1" latinLnBrk="0" hangingPunct="1">
+              <a:lnSpc>
+                <a:spcPct val="90000"/>
+              </a:lnSpc>
+              <a:spcBef>
+                <a:spcPts val="500"/>
+              </a:spcBef>
+              <a:buFont typeface="Arial" panose="020B0604020202020204" pitchFamily="34" charset="0"/>
+              <a:buChar char="•"/>
+              <a:defRPr sz="1800" kern="1200">
+                <a:solidFill>
+                  <a:schemeClr val="tx1"/>
+                </a:solidFill>
+                <a:latin typeface="+mn-lt"/>
+                <a:ea typeface="+mn-ea"/>
+                <a:cs typeface="+mn-cs"/>
+              </a:defRPr>
+            </a:lvl5pPr>
+            <a:lvl6pPr marL="2514600" indent="-228600" algn="l" defTabSz="914400" rtl="0" eaLnBrk="1" latinLnBrk="0" hangingPunct="1">
+              <a:lnSpc>
+                <a:spcPct val="90000"/>
+              </a:lnSpc>
+              <a:spcBef>
+                <a:spcPts val="500"/>
+              </a:spcBef>
+              <a:buFont typeface="Arial" panose="020B0604020202020204" pitchFamily="34" charset="0"/>
+              <a:buChar char="•"/>
+              <a:defRPr sz="1800" kern="1200">
+                <a:solidFill>
+                  <a:schemeClr val="tx1"/>
+                </a:solidFill>
+                <a:latin typeface="+mn-lt"/>
+                <a:ea typeface="+mn-ea"/>
+                <a:cs typeface="+mn-cs"/>
+              </a:defRPr>
+            </a:lvl6pPr>
+            <a:lvl7pPr marL="2971800" indent="-228600" algn="l" defTabSz="914400" rtl="0" eaLnBrk="1" latinLnBrk="0" hangingPunct="1">
+              <a:lnSpc>
+                <a:spcPct val="90000"/>
+              </a:lnSpc>
+              <a:spcBef>
+                <a:spcPts val="500"/>
+              </a:spcBef>
+              <a:buFont typeface="Arial" panose="020B0604020202020204" pitchFamily="34" charset="0"/>
+              <a:buChar char="•"/>
+              <a:defRPr sz="1800" kern="1200">
+                <a:solidFill>
+                  <a:schemeClr val="tx1"/>
+                </a:solidFill>
+                <a:latin typeface="+mn-lt"/>
+                <a:ea typeface="+mn-ea"/>
+                <a:cs typeface="+mn-cs"/>
+              </a:defRPr>
+            </a:lvl7pPr>
+            <a:lvl8pPr marL="3429000" indent="-228600" algn="l" defTabSz="914400" rtl="0" eaLnBrk="1" latinLnBrk="0" hangingPunct="1">
+              <a:lnSpc>
+                <a:spcPct val="90000"/>
+              </a:lnSpc>
+              <a:spcBef>
+                <a:spcPts val="500"/>
+              </a:spcBef>
+              <a:buFont typeface="Arial" panose="020B0604020202020204" pitchFamily="34" charset="0"/>
+              <a:buChar char="•"/>
+              <a:defRPr sz="1800" kern="1200">
+                <a:solidFill>
+                  <a:schemeClr val="tx1"/>
+                </a:solidFill>
+                <a:latin typeface="+mn-lt"/>
+                <a:ea typeface="+mn-ea"/>
+                <a:cs typeface="+mn-cs"/>
+              </a:defRPr>
+            </a:lvl8pPr>
+            <a:lvl9pPr marL="3886200" indent="-228600" algn="l" defTabSz="914400" rtl="0" eaLnBrk="1" latinLnBrk="0" hangingPunct="1">
+              <a:lnSpc>
+                <a:spcPct val="90000"/>
+              </a:lnSpc>
+              <a:spcBef>
+                <a:spcPts val="500"/>
+              </a:spcBef>
+              <a:buFont typeface="Arial" panose="020B0604020202020204" pitchFamily="34" charset="0"/>
+              <a:buChar char="•"/>
+              <a:defRPr sz="1800" kern="1200">
+                <a:solidFill>
+                  <a:schemeClr val="tx1"/>
+                </a:solidFill>
+                <a:latin typeface="+mn-lt"/>
+                <a:ea typeface="+mn-ea"/>
+                <a:cs typeface="+mn-cs"/>
+              </a:defRPr>
+            </a:lvl9pPr>
+          </a:lstStyle>
+          <a:p>
+            <a:pPr marL="0" indent="0">
+              <a:buNone/>
+            </a:pPr>
+            <a:r>
+              <a:rPr lang="en-US" sz="2000"/>
+              <a:t>OVERALL: player (you) finish the hand with more points (card values) than the dealer without going over 21</a:t>
+            </a:r>
+          </a:p>
+        </p:txBody>
+      </p:sp>
+    </p:spTree>
+    <p:extLst>
+      <p:ext uri="{BB962C8B-B14F-4D97-AF65-F5344CB8AC3E}">
+        <p14:creationId xmlns:p14="http://schemas.microsoft.com/office/powerpoint/2010/main" val="3708681894"/>
+      </p:ext>
+    </p:extLst>
+  </p:cSld>
+  <p:clrMapOvr>
+    <a:masterClrMapping/>
+  </p:clrMapOvr>
+</p:sld>
+</file>
+
+<file path=ppt/slides/slide3.xml><?xml version="1.0" encoding="utf-8"?>
+<p:sld xmlns:a="http://schemas.openxmlformats.org/drawingml/2006/main" xmlns:r="http://schemas.openxmlformats.org/officeDocument/2006/relationships" xmlns:p="http://schemas.openxmlformats.org/presentationml/2006/main">
+  <p:cSld>
+    <p:spTree>
+      <p:nvGrpSpPr>
+        <p:cNvPr id="1" name=""/>
+        <p:cNvGrpSpPr/>
+        <p:nvPr/>
+      </p:nvGrpSpPr>
+      <p:grpSpPr>
+        <a:xfrm>
+          <a:off x="0" y="0"/>
+          <a:ext cx="0" cy="0"/>
+          <a:chOff x="0" y="0"/>
+          <a:chExt cx="0" cy="0"/>
+        </a:xfrm>
+      </p:grpSpPr>
+      <p:sp>
+        <p:nvSpPr>
+          <p:cNvPr id="2" name="Title 1">
+            <a:extLst>
+              <a:ext uri="{FF2B5EF4-FFF2-40B4-BE49-F238E27FC236}">
+                <a16:creationId xmlns:a16="http://schemas.microsoft.com/office/drawing/2014/main" id="{F8C57E8D-C19E-AF33-7676-EBC9EF39D9E6}"/>
+              </a:ext>
+            </a:extLst>
+          </p:cNvPr>
+          <p:cNvSpPr>
+            <a:spLocks noGrp="1"/>
+          </p:cNvSpPr>
+          <p:nvPr>
+            <p:ph type="title"/>
+          </p:nvPr>
+        </p:nvSpPr>
+        <p:spPr>
+          <a:xfrm>
+            <a:off x="649288" y="457200"/>
+            <a:ext cx="3932237" cy="1600200"/>
+          </a:xfrm>
+        </p:spPr>
+        <p:txBody>
+          <a:bodyPr/>
+          <a:lstStyle/>
+          <a:p>
+            <a:r>
+              <a:rPr lang="en-US" sz="3200" kern="1200">
+                <a:solidFill>
+                  <a:schemeClr val="tx1"/>
+                </a:solidFill>
+                <a:latin typeface="+mj-lt"/>
+                <a:ea typeface="+mj-ea"/>
+                <a:cs typeface="+mj-cs"/>
+              </a:rPr>
+              <a:t>Strategy Dictating Optimal Gameplay</a:t>
+            </a:r>
+            <a:endParaRPr lang="en-CA"/>
+          </a:p>
+        </p:txBody>
+      </p:sp>
+      <p:sp>
+        <p:nvSpPr>
+          <p:cNvPr id="4" name="Text Placeholder 3">
+            <a:extLst>
+              <a:ext uri="{FF2B5EF4-FFF2-40B4-BE49-F238E27FC236}">
+                <a16:creationId xmlns:a16="http://schemas.microsoft.com/office/drawing/2014/main" id="{14F37DA6-5593-E3F0-3A58-2A891BB0F914}"/>
+              </a:ext>
+            </a:extLst>
+          </p:cNvPr>
+          <p:cNvSpPr>
+            <a:spLocks noGrp="1"/>
+          </p:cNvSpPr>
+          <p:nvPr>
+            <p:ph type="body" sz="half" idx="2"/>
+          </p:nvPr>
+        </p:nvSpPr>
+        <p:spPr>
+          <a:xfrm>
+            <a:off x="649288" y="2152650"/>
+            <a:ext cx="3932237" cy="3716338"/>
+          </a:xfrm>
+        </p:spPr>
+        <p:txBody>
+          <a:bodyPr/>
+          <a:lstStyle/>
+          <a:p>
+            <a:pPr marR="0" lvl="0" algn="l" defTabSz="914400" rtl="0" eaLnBrk="1" fontAlgn="auto" latinLnBrk="0" hangingPunct="1">
+              <a:lnSpc>
+                <a:spcPct val="90000"/>
+              </a:lnSpc>
+              <a:spcBef>
+                <a:spcPts val="0"/>
+              </a:spcBef>
+              <a:spcAft>
+                <a:spcPts val="600"/>
+              </a:spcAft>
+              <a:buClrTx/>
+              <a:buSzTx/>
+              <a:tabLst/>
+              <a:defRPr/>
+            </a:pPr>
+            <a:r>
+              <a:rPr kumimoji="0" lang="en-US" sz="2800" b="0" i="0" u="none" strike="noStrike" kern="1200" cap="none" spc="0" normalizeH="0" baseline="0" noProof="0">
+                <a:ln>
+                  <a:noFill/>
+                </a:ln>
+                <a:solidFill>
+                  <a:prstClr val="black"/>
+                </a:solidFill>
+                <a:effectLst/>
+                <a:uLnTx/>
+                <a:uFillTx/>
+                <a:latin typeface="Aptos" panose="02110004020202020204"/>
+                <a:ea typeface="+mn-ea"/>
+                <a:cs typeface="+mn-cs"/>
+              </a:rPr>
+              <a:t>Possible Player Moves:</a:t>
+            </a:r>
+          </a:p>
+          <a:p>
+            <a:pPr marL="285750" marR="0" lvl="0" indent="-228600" algn="l" defTabSz="914400" rtl="0" eaLnBrk="1" fontAlgn="auto" latinLnBrk="0" hangingPunct="1">
+              <a:lnSpc>
+                <a:spcPct val="90000"/>
+              </a:lnSpc>
+              <a:spcBef>
+                <a:spcPts val="0"/>
+              </a:spcBef>
+              <a:spcAft>
+                <a:spcPts val="600"/>
+              </a:spcAft>
+              <a:buClrTx/>
+              <a:buSzTx/>
+              <a:buFont typeface="Arial" panose="020B0604020202020204" pitchFamily="34" charset="0"/>
+              <a:buChar char="•"/>
+              <a:tabLst/>
+              <a:defRPr/>
+            </a:pPr>
+            <a:r>
+              <a:rPr kumimoji="0" lang="en-US" sz="2800" b="0" i="0" u="none" strike="noStrike" kern="1200" cap="none" spc="0" normalizeH="0" baseline="0" noProof="0">
+                <a:ln>
+                  <a:noFill/>
+                </a:ln>
+                <a:solidFill>
+                  <a:prstClr val="black"/>
+                </a:solidFill>
+                <a:effectLst/>
+                <a:uLnTx/>
+                <a:uFillTx/>
+                <a:latin typeface="Aptos" panose="02110004020202020204"/>
+                <a:ea typeface="+mn-ea"/>
+                <a:cs typeface="+mn-cs"/>
+              </a:rPr>
+              <a:t>Stand (S)</a:t>
+            </a:r>
+          </a:p>
+          <a:p>
+            <a:pPr marL="285750" marR="0" lvl="0" indent="-228600" algn="l" defTabSz="914400" rtl="0" eaLnBrk="1" fontAlgn="auto" latinLnBrk="0" hangingPunct="1">
+              <a:lnSpc>
+                <a:spcPct val="90000"/>
+              </a:lnSpc>
+              <a:spcBef>
+                <a:spcPts val="0"/>
+              </a:spcBef>
+              <a:spcAft>
+                <a:spcPts val="600"/>
+              </a:spcAft>
+              <a:buClrTx/>
+              <a:buSzTx/>
+              <a:buFont typeface="Arial" panose="020B0604020202020204" pitchFamily="34" charset="0"/>
+              <a:buChar char="•"/>
+              <a:tabLst/>
+              <a:defRPr/>
+            </a:pPr>
+            <a:r>
+              <a:rPr kumimoji="0" lang="en-US" sz="2800" b="0" i="0" u="none" strike="noStrike" kern="1200" cap="none" spc="0" normalizeH="0" baseline="0" noProof="0">
+                <a:ln>
+                  <a:noFill/>
+                </a:ln>
+                <a:solidFill>
+                  <a:prstClr val="black"/>
+                </a:solidFill>
+                <a:effectLst/>
+                <a:uLnTx/>
+                <a:uFillTx/>
+                <a:latin typeface="Aptos" panose="02110004020202020204"/>
+                <a:ea typeface="+mn-ea"/>
+                <a:cs typeface="+mn-cs"/>
+              </a:rPr>
+              <a:t>Hit (H)</a:t>
+            </a:r>
+          </a:p>
+          <a:p>
+            <a:pPr marL="285750" marR="0" lvl="0" indent="-228600" algn="l" defTabSz="914400" rtl="0" eaLnBrk="1" fontAlgn="auto" latinLnBrk="0" hangingPunct="1">
+              <a:lnSpc>
+                <a:spcPct val="90000"/>
+              </a:lnSpc>
+              <a:spcBef>
+                <a:spcPts val="0"/>
+              </a:spcBef>
+              <a:spcAft>
+                <a:spcPts val="600"/>
+              </a:spcAft>
+              <a:buClrTx/>
+              <a:buSzTx/>
+              <a:buFont typeface="Arial" panose="020B0604020202020204" pitchFamily="34" charset="0"/>
+              <a:buChar char="•"/>
+              <a:tabLst/>
+              <a:defRPr/>
+            </a:pPr>
+            <a:r>
+              <a:rPr kumimoji="0" lang="en-US" sz="2800" b="0" i="0" u="none" strike="noStrike" kern="1200" cap="none" spc="0" normalizeH="0" baseline="0" noProof="0">
+                <a:ln>
+                  <a:noFill/>
+                </a:ln>
+                <a:solidFill>
+                  <a:prstClr val="black"/>
+                </a:solidFill>
+                <a:effectLst/>
+                <a:uLnTx/>
+                <a:uFillTx/>
+                <a:latin typeface="Aptos" panose="02110004020202020204"/>
+                <a:ea typeface="+mn-ea"/>
+                <a:cs typeface="+mn-cs"/>
+              </a:rPr>
+              <a:t>Double (D)</a:t>
+            </a:r>
+          </a:p>
+          <a:p>
+            <a:pPr marL="285750" marR="0" lvl="0" indent="-228600" algn="l" defTabSz="914400" rtl="0" eaLnBrk="1" fontAlgn="auto" latinLnBrk="0" hangingPunct="1">
+              <a:lnSpc>
+                <a:spcPct val="90000"/>
+              </a:lnSpc>
+              <a:spcBef>
+                <a:spcPts val="0"/>
+              </a:spcBef>
+              <a:spcAft>
+                <a:spcPts val="600"/>
+              </a:spcAft>
+              <a:buClrTx/>
+              <a:buSzTx/>
+              <a:buFont typeface="Arial" panose="020B0604020202020204" pitchFamily="34" charset="0"/>
+              <a:buChar char="•"/>
+              <a:tabLst/>
+              <a:defRPr/>
+            </a:pPr>
+            <a:r>
+              <a:rPr kumimoji="0" lang="en-US" sz="2800" b="0" i="0" u="none" strike="noStrike" kern="1200" cap="none" spc="0" normalizeH="0" baseline="0" noProof="0">
+                <a:ln>
+                  <a:noFill/>
+                </a:ln>
+                <a:solidFill>
+                  <a:prstClr val="black"/>
+                </a:solidFill>
+                <a:effectLst/>
+                <a:uLnTx/>
+                <a:uFillTx/>
+                <a:latin typeface="Aptos" panose="02110004020202020204"/>
+                <a:ea typeface="+mn-ea"/>
+                <a:cs typeface="+mn-cs"/>
+              </a:rPr>
+              <a:t>Split (P)</a:t>
+            </a:r>
+          </a:p>
+          <a:p>
+            <a:endParaRPr lang="en-CA"/>
+          </a:p>
+        </p:txBody>
+      </p:sp>
+      <p:pic>
+        <p:nvPicPr>
+          <p:cNvPr id="5" name="Picture 2">
+            <a:extLst>
+              <a:ext uri="{FF2B5EF4-FFF2-40B4-BE49-F238E27FC236}">
+                <a16:creationId xmlns:a16="http://schemas.microsoft.com/office/drawing/2014/main" id="{1986ABB6-19F9-5B63-1941-C95D1AF0AE83}"/>
+              </a:ext>
+            </a:extLst>
+          </p:cNvPr>
+          <p:cNvPicPr>
+            <a:picLocks noGrp="1" noChangeAspect="1" noChangeArrowheads="1"/>
+          </p:cNvPicPr>
+          <p:nvPr>
+            <p:ph type="pic" idx="1"/>
+          </p:nvPr>
+        </p:nvPicPr>
+        <p:blipFill rotWithShape="1">
+          <a:blip r:embed="rId2">
+            <a:extLst>
+              <a:ext uri="{28A0092B-C50C-407E-A947-70E740481C1C}">
+                <a14:useLocalDpi xmlns:a14="http://schemas.microsoft.com/office/drawing/2010/main" val="0"/>
+              </a:ext>
+            </a:extLst>
+          </a:blip>
+          <a:srcRect l="-3192" t="-1296" r="-3981" b="-1998"/>
+          <a:stretch/>
+        </p:blipFill>
+        <p:spPr bwMode="auto">
+          <a:xfrm>
+            <a:off x="4772025" y="924232"/>
+            <a:ext cx="7046349" cy="5034115"/>
+          </a:xfrm>
+          <a:prstGeom prst="rect">
+            <a:avLst/>
+          </a:prstGeom>
+          <a:noFill/>
+          <a:extLst>
+            <a:ext uri="{909E8E84-426E-40DD-AFC4-6F175D3DCCD1}">
+              <a14:hiddenFill xmlns:a14="http://schemas.microsoft.com/office/drawing/2010/main">
+                <a:solidFill>
+                  <a:srgbClr val="FFFFFF"/>
+                </a:solidFill>
+              </a14:hiddenFill>
+            </a:ext>
+          </a:extLst>
+        </p:spPr>
+      </p:pic>
+      <p:pic>
+        <p:nvPicPr>
+          <p:cNvPr id="7" name="Graphic 6" descr="Joker with solid fill">
+            <a:extLst>
+              <a:ext uri="{FF2B5EF4-FFF2-40B4-BE49-F238E27FC236}">
+                <a16:creationId xmlns:a16="http://schemas.microsoft.com/office/drawing/2014/main" id="{BEA93CC6-7165-BC51-299F-0385ABD94E01}"/>
+              </a:ext>
+            </a:extLst>
+          </p:cNvPr>
+          <p:cNvPicPr>
+            <a:picLocks noChangeAspect="1"/>
+          </p:cNvPicPr>
+          <p:nvPr/>
+        </p:nvPicPr>
+        <p:blipFill>
+          <a:blip r:embed="rId3">
+            <a:extLst>
+              <a:ext uri="{96DAC541-7B7A-43D3-8B79-37D633B846F1}">
+                <asvg:svgBlip xmlns:asvg="http://schemas.microsoft.com/office/drawing/2016/SVG/main" r:embed="rId4"/>
+              </a:ext>
+            </a:extLst>
+          </a:blip>
+          <a:stretch>
+            <a:fillRect/>
+          </a:stretch>
+        </p:blipFill>
+        <p:spPr>
+          <a:xfrm>
+            <a:off x="1799662" y="5174227"/>
+            <a:ext cx="914400" cy="914400"/>
+          </a:xfrm>
+          <a:prstGeom prst="rect">
+            <a:avLst/>
+          </a:prstGeom>
+        </p:spPr>
+      </p:pic>
+      <p:pic>
+        <p:nvPicPr>
+          <p:cNvPr id="9" name="Graphic 8" descr="Playing card outline">
+            <a:extLst>
+              <a:ext uri="{FF2B5EF4-FFF2-40B4-BE49-F238E27FC236}">
+                <a16:creationId xmlns:a16="http://schemas.microsoft.com/office/drawing/2014/main" id="{3A923CC5-9011-7F45-EA64-63AEC480F27D}"/>
+              </a:ext>
+            </a:extLst>
+          </p:cNvPr>
+          <p:cNvPicPr>
+            <a:picLocks noChangeAspect="1"/>
+          </p:cNvPicPr>
+          <p:nvPr/>
+        </p:nvPicPr>
+        <p:blipFill>
+          <a:blip r:embed="rId5">
+            <a:extLst>
+              <a:ext uri="{96DAC541-7B7A-43D3-8B79-37D633B846F1}">
+                <asvg:svgBlip xmlns:asvg="http://schemas.microsoft.com/office/drawing/2016/SVG/main" r:embed="rId6"/>
+              </a:ext>
+            </a:extLst>
+          </a:blip>
+          <a:stretch>
+            <a:fillRect/>
+          </a:stretch>
+        </p:blipFill>
+        <p:spPr>
+          <a:xfrm rot="1426046">
+            <a:off x="2146308" y="5174226"/>
+            <a:ext cx="914400" cy="914400"/>
+          </a:xfrm>
+          <a:prstGeom prst="rect">
+            <a:avLst/>
+          </a:prstGeom>
+        </p:spPr>
+      </p:pic>
+    </p:spTree>
+    <p:extLst>
+      <p:ext uri="{BB962C8B-B14F-4D97-AF65-F5344CB8AC3E}">
+        <p14:creationId xmlns:p14="http://schemas.microsoft.com/office/powerpoint/2010/main" val="3810064813"/>
+      </p:ext>
+    </p:extLst>
+  </p:cSld>
+  <p:clrMapOvr>
+    <a:masterClrMapping/>
+  </p:clrMapOvr>
+</p:sld>
+</file>
+
+<file path=ppt/slides/slide4.xml><?xml version="1.0" encoding="utf-8"?>
+<p:sld xmlns:a="http://schemas.openxmlformats.org/drawingml/2006/main" xmlns:r="http://schemas.openxmlformats.org/officeDocument/2006/relationships" xmlns:p="http://schemas.openxmlformats.org/presentationml/2006/main">
+  <p:cSld>
+    <p:spTree>
+      <p:nvGrpSpPr>
+        <p:cNvPr id="1" name=""/>
+        <p:cNvGrpSpPr/>
+        <p:nvPr/>
+      </p:nvGrpSpPr>
+      <p:grpSpPr>
+        <a:xfrm>
+          <a:off x="0" y="0"/>
+          <a:ext cx="0" cy="0"/>
+          <a:chOff x="0" y="0"/>
+          <a:chExt cx="0" cy="0"/>
+        </a:xfrm>
+      </p:grpSpPr>
+      <p:pic>
+        <p:nvPicPr>
+          <p:cNvPr id="2052" name="Picture 4" descr="High resolution rendering with Processing, Part 1 - jnystad.no">
+            <a:extLst>
+              <a:ext uri="{FF2B5EF4-FFF2-40B4-BE49-F238E27FC236}">
+                <a16:creationId xmlns:a16="http://schemas.microsoft.com/office/drawing/2014/main" id="{84EA7DAC-1673-5DE4-1649-07ED9EF11717}"/>
+              </a:ext>
+            </a:extLst>
+          </p:cNvPr>
+          <p:cNvPicPr>
+            <a:picLocks noChangeAspect="1" noChangeArrowheads="1"/>
+          </p:cNvPicPr>
+          <p:nvPr/>
+        </p:nvPicPr>
+        <p:blipFill>
+          <a:blip r:embed="rId2">
+            <a:extLst>
+              <a:ext uri="{28A0092B-C50C-407E-A947-70E740481C1C}">
+                <a14:useLocalDpi xmlns:a14="http://schemas.microsoft.com/office/drawing/2010/main" val="0"/>
+              </a:ext>
+            </a:extLst>
+          </a:blip>
+          <a:srcRect/>
+          <a:stretch>
+            <a:fillRect/>
+          </a:stretch>
+        </p:blipFill>
+        <p:spPr bwMode="auto">
+          <a:xfrm>
+            <a:off x="0" y="2311863"/>
+            <a:ext cx="12192000" cy="6096000"/>
+          </a:xfrm>
+          <a:prstGeom prst="rect">
+            <a:avLst/>
+          </a:prstGeom>
+          <a:noFill/>
+          <a:extLst>
+            <a:ext uri="{909E8E84-426E-40DD-AFC4-6F175D3DCCD1}">
+              <a14:hiddenFill xmlns:a14="http://schemas.microsoft.com/office/drawing/2010/main">
+                <a:solidFill>
+                  <a:srgbClr val="FFFFFF"/>
+                </a:solidFill>
+              </a14:hiddenFill>
+            </a:ext>
+          </a:extLst>
+        </p:spPr>
+      </p:pic>
+      <p:sp>
+        <p:nvSpPr>
+          <p:cNvPr id="2" name="Title 1">
+            <a:extLst>
+              <a:ext uri="{FF2B5EF4-FFF2-40B4-BE49-F238E27FC236}">
+                <a16:creationId xmlns:a16="http://schemas.microsoft.com/office/drawing/2014/main" id="{AC8E757D-2CF4-7108-10F5-7BC5A1483E22}"/>
+              </a:ext>
+            </a:extLst>
+          </p:cNvPr>
+          <p:cNvSpPr>
+            <a:spLocks noGrp="1"/>
+          </p:cNvSpPr>
+          <p:nvPr>
+            <p:ph type="title"/>
+          </p:nvPr>
+        </p:nvSpPr>
+        <p:spPr>
+          <a:xfrm>
+            <a:off x="636021" y="22878"/>
+            <a:ext cx="10515600" cy="1325563"/>
+          </a:xfrm>
+        </p:spPr>
+        <p:txBody>
+          <a:bodyPr/>
+          <a:lstStyle/>
+          <a:p>
+            <a:r>
+              <a:rPr lang="en-US"/>
+              <a:t>Implementation</a:t>
+            </a:r>
+            <a:endParaRPr lang="en-CA"/>
+          </a:p>
+        </p:txBody>
+      </p:sp>
+      <p:sp>
+        <p:nvSpPr>
+          <p:cNvPr id="3" name="Content Placeholder 2">
+            <a:extLst>
+              <a:ext uri="{FF2B5EF4-FFF2-40B4-BE49-F238E27FC236}">
+                <a16:creationId xmlns:a16="http://schemas.microsoft.com/office/drawing/2014/main" id="{9EDACD18-1334-7FF8-F200-5105C4620AD4}"/>
+              </a:ext>
+            </a:extLst>
+          </p:cNvPr>
+          <p:cNvSpPr>
+            <a:spLocks noGrp="1"/>
+          </p:cNvSpPr>
+          <p:nvPr>
+            <p:ph sz="half" idx="1"/>
+          </p:nvPr>
+        </p:nvSpPr>
+        <p:spPr>
+          <a:xfrm>
+            <a:off x="636021" y="1274229"/>
+            <a:ext cx="5181600" cy="4351338"/>
+          </a:xfrm>
+        </p:spPr>
+        <p:txBody>
+          <a:bodyPr>
+            <a:normAutofit lnSpcReduction="10000"/>
+          </a:bodyPr>
+          <a:lstStyle/>
+          <a:p>
+            <a:pPr marL="0" indent="0">
+              <a:buNone/>
+            </a:pPr>
+            <a:r>
+              <a:rPr lang="en-US"/>
+              <a:t>Tools:</a:t>
+            </a:r>
+          </a:p>
+          <a:p>
+            <a:r>
+              <a:rPr lang="en-US"/>
+              <a:t>Python</a:t>
+            </a:r>
+          </a:p>
+          <a:p>
+            <a:r>
+              <a:rPr lang="en-US"/>
+              <a:t>OpenCV</a:t>
+            </a:r>
+          </a:p>
+          <a:p>
+            <a:r>
+              <a:rPr lang="en-CA" err="1"/>
+              <a:t>EasyOCR</a:t>
+            </a:r>
+            <a:endParaRPr lang="en-CA"/>
+          </a:p>
+        </p:txBody>
+      </p:sp>
+      <p:sp>
+        <p:nvSpPr>
+          <p:cNvPr id="4" name="Content Placeholder 3">
+            <a:extLst>
+              <a:ext uri="{FF2B5EF4-FFF2-40B4-BE49-F238E27FC236}">
+                <a16:creationId xmlns:a16="http://schemas.microsoft.com/office/drawing/2014/main" id="{C69E8D55-383D-058B-41CF-5EC5FFD94B52}"/>
+              </a:ext>
+            </a:extLst>
+          </p:cNvPr>
+          <p:cNvSpPr>
+            <a:spLocks noGrp="1"/>
+          </p:cNvSpPr>
+          <p:nvPr>
+            <p:ph sz="half" idx="2"/>
+          </p:nvPr>
+        </p:nvSpPr>
+        <p:spPr>
+          <a:xfrm>
+            <a:off x="3406027" y="1756862"/>
+            <a:ext cx="7610811" cy="2654474"/>
+          </a:xfrm>
+        </p:spPr>
+        <p:txBody>
+          <a:bodyPr numCol="2">
+            <a:normAutofit lnSpcReduction="10000"/>
+          </a:bodyPr>
+          <a:lstStyle/>
+          <a:p>
+            <a:r>
+              <a:rPr lang="en-US"/>
+              <a:t>Convert to grayscale</a:t>
+            </a:r>
+          </a:p>
+          <a:p>
+            <a:r>
+              <a:rPr lang="en-US"/>
+              <a:t>Gaussian blur</a:t>
+            </a:r>
+          </a:p>
+          <a:p>
+            <a:r>
+              <a:rPr lang="en-US"/>
+              <a:t>Canny edge detection</a:t>
+            </a:r>
+          </a:p>
+          <a:p>
+            <a:r>
+              <a:rPr lang="en-US"/>
+              <a:t>Contouring</a:t>
+            </a:r>
+          </a:p>
+          <a:p>
+            <a:r>
+              <a:rPr lang="en-US"/>
+              <a:t>Sharpen</a:t>
+            </a:r>
+          </a:p>
+          <a:p>
+            <a:r>
+              <a:rPr lang="en-US"/>
+              <a:t>Crop to top left corner</a:t>
+            </a:r>
+            <a:endParaRPr lang="en-CA"/>
+          </a:p>
+          <a:p>
+            <a:r>
+              <a:rPr lang="en-CA"/>
+              <a:t>Threshold (Otsu’s method)</a:t>
+            </a:r>
+          </a:p>
+          <a:p>
+            <a:r>
+              <a:rPr lang="en-CA"/>
+              <a:t>Closing</a:t>
+            </a:r>
+          </a:p>
+          <a:p>
+            <a:r>
+              <a:rPr lang="en-CA"/>
+              <a:t>OCR</a:t>
+            </a:r>
+          </a:p>
+          <a:p>
+            <a:endParaRPr lang="en-US"/>
+          </a:p>
+        </p:txBody>
+      </p:sp>
+      <p:sp>
+        <p:nvSpPr>
+          <p:cNvPr id="10" name="TextBox 9">
+            <a:extLst>
+              <a:ext uri="{FF2B5EF4-FFF2-40B4-BE49-F238E27FC236}">
+                <a16:creationId xmlns:a16="http://schemas.microsoft.com/office/drawing/2014/main" id="{418171C0-D56F-AC20-9657-4BE976D7BE19}"/>
+              </a:ext>
+            </a:extLst>
+          </p:cNvPr>
+          <p:cNvSpPr txBox="1"/>
+          <p:nvPr/>
+        </p:nvSpPr>
+        <p:spPr>
+          <a:xfrm>
+            <a:off x="3406027" y="1232433"/>
+            <a:ext cx="5936707" cy="482633"/>
+          </a:xfrm>
+          <a:prstGeom prst="rect">
+            <a:avLst/>
+          </a:prstGeom>
+          <a:noFill/>
+        </p:spPr>
+        <p:txBody>
+          <a:bodyPr wrap="square" rtlCol="0">
+            <a:spAutoFit/>
+          </a:bodyPr>
+          <a:lstStyle/>
+          <a:p>
+            <a:pPr marL="0" marR="0" lvl="0" indent="0" algn="l" defTabSz="914400" rtl="0" eaLnBrk="1" fontAlgn="auto" latinLnBrk="0" hangingPunct="1">
+              <a:lnSpc>
+                <a:spcPct val="90000"/>
+              </a:lnSpc>
+              <a:spcBef>
+                <a:spcPts val="1000"/>
+              </a:spcBef>
+              <a:spcAft>
+                <a:spcPts val="0"/>
+              </a:spcAft>
+              <a:buClrTx/>
+              <a:buSzTx/>
+              <a:buFont typeface="Arial" panose="020B0604020202020204" pitchFamily="34" charset="0"/>
+              <a:buNone/>
+              <a:tabLst/>
+              <a:defRPr/>
+            </a:pPr>
+            <a:r>
+              <a:rPr kumimoji="0" lang="en-US" sz="2800" b="0" i="0" u="none" strike="noStrike" kern="1200" cap="none" spc="0" normalizeH="0" baseline="0" noProof="0">
+                <a:ln>
+                  <a:noFill/>
+                </a:ln>
+                <a:solidFill>
+                  <a:prstClr val="black"/>
+                </a:solidFill>
+                <a:effectLst/>
+                <a:uLnTx/>
+                <a:uFillTx/>
+                <a:latin typeface="Aptos" panose="02110004020202020204"/>
+                <a:ea typeface="+mn-ea"/>
+                <a:cs typeface="+mn-cs"/>
+              </a:rPr>
+              <a:t>Image Processing Techniques:</a:t>
+            </a:r>
+          </a:p>
+        </p:txBody>
+      </p:sp>
+    </p:spTree>
+    <p:extLst>
+      <p:ext uri="{BB962C8B-B14F-4D97-AF65-F5344CB8AC3E}">
+        <p14:creationId xmlns:p14="http://schemas.microsoft.com/office/powerpoint/2010/main" val="720866852"/>
       </p:ext>
     </p:extLst>
   </p:cSld>
